--- a/doc/gatech-thesis-1.8/myfigures/mmu.pptx
+++ b/doc/gatech-thesis-1.8/myfigures/mmu.pptx
@@ -289,7 +289,7 @@
             <a:fld id="{ABBCF9CE-FA5E-4DA7-BD2A-0C9FAEB1674F}" type="datetimeFigureOut">
               <a:rPr lang="en-US" smtClean="0"/>
               <a:pPr/>
-              <a:t>12/5/2013</a:t>
+              <a:t>12/11/2013</a:t>
             </a:fld>
             <a:endParaRPr lang="en-US"/>
           </a:p>
@@ -456,7 +456,7 @@
             <a:fld id="{ABBCF9CE-FA5E-4DA7-BD2A-0C9FAEB1674F}" type="datetimeFigureOut">
               <a:rPr lang="en-US" smtClean="0"/>
               <a:pPr/>
-              <a:t>12/5/2013</a:t>
+              <a:t>12/11/2013</a:t>
             </a:fld>
             <a:endParaRPr lang="en-US"/>
           </a:p>
@@ -633,7 +633,7 @@
             <a:fld id="{ABBCF9CE-FA5E-4DA7-BD2A-0C9FAEB1674F}" type="datetimeFigureOut">
               <a:rPr lang="en-US" smtClean="0"/>
               <a:pPr/>
-              <a:t>12/5/2013</a:t>
+              <a:t>12/11/2013</a:t>
             </a:fld>
             <a:endParaRPr lang="en-US"/>
           </a:p>
@@ -800,7 +800,7 @@
             <a:fld id="{ABBCF9CE-FA5E-4DA7-BD2A-0C9FAEB1674F}" type="datetimeFigureOut">
               <a:rPr lang="en-US" smtClean="0"/>
               <a:pPr/>
-              <a:t>12/5/2013</a:t>
+              <a:t>12/11/2013</a:t>
             </a:fld>
             <a:endParaRPr lang="en-US"/>
           </a:p>
@@ -1043,7 +1043,7 @@
             <a:fld id="{ABBCF9CE-FA5E-4DA7-BD2A-0C9FAEB1674F}" type="datetimeFigureOut">
               <a:rPr lang="en-US" smtClean="0"/>
               <a:pPr/>
-              <a:t>12/5/2013</a:t>
+              <a:t>12/11/2013</a:t>
             </a:fld>
             <a:endParaRPr lang="en-US"/>
           </a:p>
@@ -1328,7 +1328,7 @@
             <a:fld id="{ABBCF9CE-FA5E-4DA7-BD2A-0C9FAEB1674F}" type="datetimeFigureOut">
               <a:rPr lang="en-US" smtClean="0"/>
               <a:pPr/>
-              <a:t>12/5/2013</a:t>
+              <a:t>12/11/2013</a:t>
             </a:fld>
             <a:endParaRPr lang="en-US"/>
           </a:p>
@@ -1747,7 +1747,7 @@
             <a:fld id="{ABBCF9CE-FA5E-4DA7-BD2A-0C9FAEB1674F}" type="datetimeFigureOut">
               <a:rPr lang="en-US" smtClean="0"/>
               <a:pPr/>
-              <a:t>12/5/2013</a:t>
+              <a:t>12/11/2013</a:t>
             </a:fld>
             <a:endParaRPr lang="en-US"/>
           </a:p>
@@ -1862,7 +1862,7 @@
             <a:fld id="{ABBCF9CE-FA5E-4DA7-BD2A-0C9FAEB1674F}" type="datetimeFigureOut">
               <a:rPr lang="en-US" smtClean="0"/>
               <a:pPr/>
-              <a:t>12/5/2013</a:t>
+              <a:t>12/11/2013</a:t>
             </a:fld>
             <a:endParaRPr lang="en-US"/>
           </a:p>
@@ -1954,7 +1954,7 @@
             <a:fld id="{ABBCF9CE-FA5E-4DA7-BD2A-0C9FAEB1674F}" type="datetimeFigureOut">
               <a:rPr lang="en-US" smtClean="0"/>
               <a:pPr/>
-              <a:t>12/5/2013</a:t>
+              <a:t>12/11/2013</a:t>
             </a:fld>
             <a:endParaRPr lang="en-US"/>
           </a:p>
@@ -2228,7 +2228,7 @@
             <a:fld id="{ABBCF9CE-FA5E-4DA7-BD2A-0C9FAEB1674F}" type="datetimeFigureOut">
               <a:rPr lang="en-US" smtClean="0"/>
               <a:pPr/>
-              <a:t>12/5/2013</a:t>
+              <a:t>12/11/2013</a:t>
             </a:fld>
             <a:endParaRPr lang="en-US"/>
           </a:p>
@@ -2478,7 +2478,7 @@
             <a:fld id="{ABBCF9CE-FA5E-4DA7-BD2A-0C9FAEB1674F}" type="datetimeFigureOut">
               <a:rPr lang="en-US" smtClean="0"/>
               <a:pPr/>
-              <a:t>12/5/2013</a:t>
+              <a:t>12/11/2013</a:t>
             </a:fld>
             <a:endParaRPr lang="en-US"/>
           </a:p>
@@ -2688,7 +2688,7 @@
             <a:fld id="{ABBCF9CE-FA5E-4DA7-BD2A-0C9FAEB1674F}" type="datetimeFigureOut">
               <a:rPr lang="en-US" smtClean="0"/>
               <a:pPr/>
-              <a:t>12/5/2013</a:t>
+              <a:t>12/11/2013</a:t>
             </a:fld>
             <a:endParaRPr lang="en-US"/>
           </a:p>
@@ -3368,17 +3368,1393 @@
           </a:fontRef>
         </p:style>
       </p:cxnSp>
+      <p:cxnSp>
+        <p:nvCxnSpPr>
+          <p:cNvPr id="16" name="Straight Arrow Connector 15"/>
+          <p:cNvCxnSpPr/>
+          <p:nvPr/>
+        </p:nvCxnSpPr>
+        <p:spPr>
+          <a:xfrm>
+            <a:off x="3505200" y="2819400"/>
+            <a:ext cx="0" cy="533400"/>
+          </a:xfrm>
+          <a:prstGeom prst="straightConnector1">
+            <a:avLst/>
+          </a:prstGeom>
+          <a:ln>
+            <a:tailEnd type="arrow"/>
+          </a:ln>
+        </p:spPr>
+        <p:style>
+          <a:lnRef idx="1">
+            <a:schemeClr val="accent1"/>
+          </a:lnRef>
+          <a:fillRef idx="0">
+            <a:schemeClr val="accent1"/>
+          </a:fillRef>
+          <a:effectRef idx="0">
+            <a:schemeClr val="accent1"/>
+          </a:effectRef>
+          <a:fontRef idx="minor">
+            <a:schemeClr val="tx1"/>
+          </a:fontRef>
+        </p:style>
+      </p:cxnSp>
+      <p:cxnSp>
+        <p:nvCxnSpPr>
+          <p:cNvPr id="20" name="Straight Arrow Connector 19"/>
+          <p:cNvCxnSpPr/>
+          <p:nvPr/>
+        </p:nvCxnSpPr>
+        <p:spPr>
+          <a:xfrm>
+            <a:off x="4191000" y="2819400"/>
+            <a:ext cx="0" cy="533400"/>
+          </a:xfrm>
+          <a:prstGeom prst="straightConnector1">
+            <a:avLst/>
+          </a:prstGeom>
+          <a:ln>
+            <a:tailEnd type="arrow"/>
+          </a:ln>
+        </p:spPr>
+        <p:style>
+          <a:lnRef idx="1">
+            <a:schemeClr val="accent1"/>
+          </a:lnRef>
+          <a:fillRef idx="0">
+            <a:schemeClr val="accent1"/>
+          </a:fillRef>
+          <a:effectRef idx="0">
+            <a:schemeClr val="accent1"/>
+          </a:effectRef>
+          <a:fontRef idx="minor">
+            <a:schemeClr val="tx1"/>
+          </a:fontRef>
+        </p:style>
+      </p:cxnSp>
+      <p:cxnSp>
+        <p:nvCxnSpPr>
+          <p:cNvPr id="21" name="Straight Arrow Connector 20"/>
+          <p:cNvCxnSpPr/>
+          <p:nvPr/>
+        </p:nvCxnSpPr>
+        <p:spPr>
+          <a:xfrm>
+            <a:off x="4800600" y="2819400"/>
+            <a:ext cx="0" cy="533400"/>
+          </a:xfrm>
+          <a:prstGeom prst="straightConnector1">
+            <a:avLst/>
+          </a:prstGeom>
+          <a:ln>
+            <a:tailEnd type="arrow"/>
+          </a:ln>
+        </p:spPr>
+        <p:style>
+          <a:lnRef idx="1">
+            <a:schemeClr val="accent1"/>
+          </a:lnRef>
+          <a:fillRef idx="0">
+            <a:schemeClr val="accent1"/>
+          </a:fillRef>
+          <a:effectRef idx="0">
+            <a:schemeClr val="accent1"/>
+          </a:effectRef>
+          <a:fontRef idx="minor">
+            <a:schemeClr val="tx1"/>
+          </a:fontRef>
+        </p:style>
+      </p:cxnSp>
+      <p:cxnSp>
+        <p:nvCxnSpPr>
+          <p:cNvPr id="22" name="Straight Arrow Connector 21"/>
+          <p:cNvCxnSpPr/>
+          <p:nvPr/>
+        </p:nvCxnSpPr>
+        <p:spPr>
+          <a:xfrm>
+            <a:off x="5486400" y="2819400"/>
+            <a:ext cx="0" cy="533400"/>
+          </a:xfrm>
+          <a:prstGeom prst="straightConnector1">
+            <a:avLst/>
+          </a:prstGeom>
+          <a:ln>
+            <a:tailEnd type="arrow"/>
+          </a:ln>
+        </p:spPr>
+        <p:style>
+          <a:lnRef idx="1">
+            <a:schemeClr val="accent1"/>
+          </a:lnRef>
+          <a:fillRef idx="0">
+            <a:schemeClr val="accent1"/>
+          </a:fillRef>
+          <a:effectRef idx="0">
+            <a:schemeClr val="accent1"/>
+          </a:effectRef>
+          <a:fontRef idx="minor">
+            <a:schemeClr val="tx1"/>
+          </a:fontRef>
+        </p:style>
+      </p:cxnSp>
+      <p:cxnSp>
+        <p:nvCxnSpPr>
+          <p:cNvPr id="23" name="Straight Arrow Connector 22"/>
+          <p:cNvCxnSpPr/>
+          <p:nvPr/>
+        </p:nvCxnSpPr>
+        <p:spPr>
+          <a:xfrm>
+            <a:off x="6248400" y="2819400"/>
+            <a:ext cx="0" cy="533400"/>
+          </a:xfrm>
+          <a:prstGeom prst="straightConnector1">
+            <a:avLst/>
+          </a:prstGeom>
+          <a:ln>
+            <a:tailEnd type="arrow"/>
+          </a:ln>
+        </p:spPr>
+        <p:style>
+          <a:lnRef idx="1">
+            <a:schemeClr val="accent1"/>
+          </a:lnRef>
+          <a:fillRef idx="0">
+            <a:schemeClr val="accent1"/>
+          </a:fillRef>
+          <a:effectRef idx="0">
+            <a:schemeClr val="accent1"/>
+          </a:effectRef>
+          <a:fontRef idx="minor">
+            <a:schemeClr val="tx1"/>
+          </a:fontRef>
+        </p:style>
+      </p:cxnSp>
+      <p:cxnSp>
+        <p:nvCxnSpPr>
+          <p:cNvPr id="24" name="Straight Arrow Connector 23"/>
+          <p:cNvCxnSpPr/>
+          <p:nvPr/>
+        </p:nvCxnSpPr>
+        <p:spPr>
+          <a:xfrm>
+            <a:off x="6934200" y="2819400"/>
+            <a:ext cx="0" cy="533400"/>
+          </a:xfrm>
+          <a:prstGeom prst="straightConnector1">
+            <a:avLst/>
+          </a:prstGeom>
+          <a:ln>
+            <a:tailEnd type="arrow"/>
+          </a:ln>
+        </p:spPr>
+        <p:style>
+          <a:lnRef idx="1">
+            <a:schemeClr val="accent1"/>
+          </a:lnRef>
+          <a:fillRef idx="0">
+            <a:schemeClr val="accent1"/>
+          </a:fillRef>
+          <a:effectRef idx="0">
+            <a:schemeClr val="accent1"/>
+          </a:effectRef>
+          <a:fontRef idx="minor">
+            <a:schemeClr val="tx1"/>
+          </a:fontRef>
+        </p:style>
+      </p:cxnSp>
+      <p:cxnSp>
+        <p:nvCxnSpPr>
+          <p:cNvPr id="25" name="Straight Arrow Connector 24"/>
+          <p:cNvCxnSpPr/>
+          <p:nvPr/>
+        </p:nvCxnSpPr>
+        <p:spPr>
+          <a:xfrm>
+            <a:off x="7543800" y="2819400"/>
+            <a:ext cx="0" cy="533400"/>
+          </a:xfrm>
+          <a:prstGeom prst="straightConnector1">
+            <a:avLst/>
+          </a:prstGeom>
+          <a:ln>
+            <a:tailEnd type="arrow"/>
+          </a:ln>
+        </p:spPr>
+        <p:style>
+          <a:lnRef idx="1">
+            <a:schemeClr val="accent1"/>
+          </a:lnRef>
+          <a:fillRef idx="0">
+            <a:schemeClr val="accent1"/>
+          </a:fillRef>
+          <a:effectRef idx="0">
+            <a:schemeClr val="accent1"/>
+          </a:effectRef>
+          <a:fontRef idx="minor">
+            <a:schemeClr val="tx1"/>
+          </a:fontRef>
+        </p:style>
+      </p:cxnSp>
+      <p:cxnSp>
+        <p:nvCxnSpPr>
+          <p:cNvPr id="26" name="Straight Arrow Connector 25"/>
+          <p:cNvCxnSpPr/>
+          <p:nvPr/>
+        </p:nvCxnSpPr>
+        <p:spPr>
+          <a:xfrm>
+            <a:off x="8229600" y="2819400"/>
+            <a:ext cx="0" cy="533400"/>
+          </a:xfrm>
+          <a:prstGeom prst="straightConnector1">
+            <a:avLst/>
+          </a:prstGeom>
+          <a:ln>
+            <a:tailEnd type="arrow"/>
+          </a:ln>
+        </p:spPr>
+        <p:style>
+          <a:lnRef idx="1">
+            <a:schemeClr val="accent1"/>
+          </a:lnRef>
+          <a:fillRef idx="0">
+            <a:schemeClr val="accent1"/>
+          </a:fillRef>
+          <a:effectRef idx="0">
+            <a:schemeClr val="accent1"/>
+          </a:effectRef>
+          <a:fontRef idx="minor">
+            <a:schemeClr val="tx1"/>
+          </a:fontRef>
+        </p:style>
+      </p:cxnSp>
+      <p:cxnSp>
+        <p:nvCxnSpPr>
+          <p:cNvPr id="27" name="Straight Arrow Connector 26"/>
+          <p:cNvCxnSpPr/>
+          <p:nvPr/>
+        </p:nvCxnSpPr>
+        <p:spPr>
+          <a:xfrm>
+            <a:off x="3505200" y="3352800"/>
+            <a:ext cx="304800" cy="685800"/>
+          </a:xfrm>
+          <a:prstGeom prst="straightConnector1">
+            <a:avLst/>
+          </a:prstGeom>
+          <a:ln>
+            <a:headEnd type="none" w="med" len="med"/>
+            <a:tailEnd type="triangle" w="med" len="med"/>
+          </a:ln>
+        </p:spPr>
+        <p:style>
+          <a:lnRef idx="1">
+            <a:schemeClr val="accent2"/>
+          </a:lnRef>
+          <a:fillRef idx="0">
+            <a:schemeClr val="accent2"/>
+          </a:fillRef>
+          <a:effectRef idx="0">
+            <a:schemeClr val="accent2"/>
+          </a:effectRef>
+          <a:fontRef idx="minor">
+            <a:schemeClr val="tx1"/>
+          </a:fontRef>
+        </p:style>
+      </p:cxnSp>
+      <p:cxnSp>
+        <p:nvCxnSpPr>
+          <p:cNvPr id="29" name="Straight Arrow Connector 28"/>
+          <p:cNvCxnSpPr/>
+          <p:nvPr/>
+        </p:nvCxnSpPr>
+        <p:spPr>
+          <a:xfrm>
+            <a:off x="4572000" y="3581400"/>
+            <a:ext cx="685800" cy="381000"/>
+          </a:xfrm>
+          <a:prstGeom prst="straightConnector1">
+            <a:avLst/>
+          </a:prstGeom>
+          <a:ln>
+            <a:prstDash val="dash"/>
+            <a:tailEnd type="arrow"/>
+          </a:ln>
+        </p:spPr>
+        <p:style>
+          <a:lnRef idx="1">
+            <a:schemeClr val="accent1"/>
+          </a:lnRef>
+          <a:fillRef idx="0">
+            <a:schemeClr val="accent1"/>
+          </a:fillRef>
+          <a:effectRef idx="0">
+            <a:schemeClr val="accent1"/>
+          </a:effectRef>
+          <a:fontRef idx="minor">
+            <a:schemeClr val="tx1"/>
+          </a:fontRef>
+        </p:style>
+      </p:cxnSp>
+      <p:cxnSp>
+        <p:nvCxnSpPr>
+          <p:cNvPr id="32" name="Straight Arrow Connector 31"/>
+          <p:cNvCxnSpPr/>
+          <p:nvPr/>
+        </p:nvCxnSpPr>
+        <p:spPr>
+          <a:xfrm>
+            <a:off x="6934200" y="3352800"/>
+            <a:ext cx="838200" cy="685800"/>
+          </a:xfrm>
+          <a:prstGeom prst="straightConnector1">
+            <a:avLst/>
+          </a:prstGeom>
+          <a:ln>
+            <a:headEnd type="none" w="med" len="med"/>
+            <a:tailEnd type="triangle" w="med" len="med"/>
+          </a:ln>
+        </p:spPr>
+        <p:style>
+          <a:lnRef idx="1">
+            <a:schemeClr val="accent2"/>
+          </a:lnRef>
+          <a:fillRef idx="0">
+            <a:schemeClr val="accent2"/>
+          </a:fillRef>
+          <a:effectRef idx="0">
+            <a:schemeClr val="accent2"/>
+          </a:effectRef>
+          <a:fontRef idx="minor">
+            <a:schemeClr val="tx1"/>
+          </a:fontRef>
+        </p:style>
+      </p:cxnSp>
+      <p:cxnSp>
+        <p:nvCxnSpPr>
+          <p:cNvPr id="35" name="Straight Arrow Connector 34"/>
+          <p:cNvCxnSpPr/>
+          <p:nvPr/>
+        </p:nvCxnSpPr>
+        <p:spPr>
+          <a:xfrm flipH="1">
+            <a:off x="3886200" y="3352800"/>
+            <a:ext cx="304800" cy="533400"/>
+          </a:xfrm>
+          <a:prstGeom prst="straightConnector1">
+            <a:avLst/>
+          </a:prstGeom>
+          <a:ln>
+            <a:prstDash val="dash"/>
+            <a:tailEnd type="arrow"/>
+          </a:ln>
+        </p:spPr>
+        <p:style>
+          <a:lnRef idx="1">
+            <a:schemeClr val="accent1"/>
+          </a:lnRef>
+          <a:fillRef idx="0">
+            <a:schemeClr val="accent1"/>
+          </a:fillRef>
+          <a:effectRef idx="0">
+            <a:schemeClr val="accent1"/>
+          </a:effectRef>
+          <a:fontRef idx="minor">
+            <a:schemeClr val="tx1"/>
+          </a:fontRef>
+        </p:style>
+      </p:cxnSp>
+      <p:cxnSp>
+        <p:nvCxnSpPr>
+          <p:cNvPr id="39" name="Straight Arrow Connector 38"/>
+          <p:cNvCxnSpPr/>
+          <p:nvPr/>
+        </p:nvCxnSpPr>
+        <p:spPr>
+          <a:xfrm flipH="1">
+            <a:off x="5334000" y="3352800"/>
+            <a:ext cx="152400" cy="609600"/>
+          </a:xfrm>
+          <a:prstGeom prst="straightConnector1">
+            <a:avLst/>
+          </a:prstGeom>
+          <a:ln>
+            <a:headEnd type="none" w="med" len="med"/>
+            <a:tailEnd type="triangle" w="med" len="med"/>
+          </a:ln>
+        </p:spPr>
+        <p:style>
+          <a:lnRef idx="1">
+            <a:schemeClr val="accent2"/>
+          </a:lnRef>
+          <a:fillRef idx="0">
+            <a:schemeClr val="accent2"/>
+          </a:fillRef>
+          <a:effectRef idx="0">
+            <a:schemeClr val="accent2"/>
+          </a:effectRef>
+          <a:fontRef idx="minor">
+            <a:schemeClr val="tx1"/>
+          </a:fontRef>
+        </p:style>
+      </p:cxnSp>
+      <p:cxnSp>
+        <p:nvCxnSpPr>
+          <p:cNvPr id="40" name="Straight Arrow Connector 39"/>
+          <p:cNvCxnSpPr/>
+          <p:nvPr/>
+        </p:nvCxnSpPr>
+        <p:spPr>
+          <a:xfrm flipH="1">
+            <a:off x="3886200" y="3352800"/>
+            <a:ext cx="914400" cy="609600"/>
+          </a:xfrm>
+          <a:prstGeom prst="straightConnector1">
+            <a:avLst/>
+          </a:prstGeom>
+          <a:ln>
+            <a:prstDash val="dash"/>
+            <a:tailEnd type="arrow"/>
+          </a:ln>
+        </p:spPr>
+        <p:style>
+          <a:lnRef idx="1">
+            <a:schemeClr val="accent1"/>
+          </a:lnRef>
+          <a:fillRef idx="0">
+            <a:schemeClr val="accent1"/>
+          </a:fillRef>
+          <a:effectRef idx="0">
+            <a:schemeClr val="accent1"/>
+          </a:effectRef>
+          <a:fontRef idx="minor">
+            <a:schemeClr val="tx1"/>
+          </a:fontRef>
+        </p:style>
+      </p:cxnSp>
+      <p:cxnSp>
+        <p:nvCxnSpPr>
+          <p:cNvPr id="43" name="Straight Arrow Connector 42"/>
+          <p:cNvCxnSpPr/>
+          <p:nvPr/>
+        </p:nvCxnSpPr>
+        <p:spPr>
+          <a:xfrm flipH="1">
+            <a:off x="7848600" y="3352800"/>
+            <a:ext cx="381000" cy="609600"/>
+          </a:xfrm>
+          <a:prstGeom prst="straightConnector1">
+            <a:avLst/>
+          </a:prstGeom>
+          <a:ln>
+            <a:prstDash val="dash"/>
+            <a:tailEnd type="arrow"/>
+          </a:ln>
+        </p:spPr>
+        <p:style>
+          <a:lnRef idx="1">
+            <a:schemeClr val="accent1"/>
+          </a:lnRef>
+          <a:fillRef idx="0">
+            <a:schemeClr val="accent1"/>
+          </a:fillRef>
+          <a:effectRef idx="0">
+            <a:schemeClr val="accent1"/>
+          </a:effectRef>
+          <a:fontRef idx="minor">
+            <a:schemeClr val="tx1"/>
+          </a:fontRef>
+        </p:style>
+      </p:cxnSp>
+      <p:cxnSp>
+        <p:nvCxnSpPr>
+          <p:cNvPr id="46" name="Straight Arrow Connector 45"/>
+          <p:cNvCxnSpPr/>
+          <p:nvPr/>
+        </p:nvCxnSpPr>
+        <p:spPr>
+          <a:xfrm flipH="1">
+            <a:off x="5410200" y="3352800"/>
+            <a:ext cx="838200" cy="609600"/>
+          </a:xfrm>
+          <a:prstGeom prst="straightConnector1">
+            <a:avLst/>
+          </a:prstGeom>
+          <a:ln>
+            <a:prstDash val="dash"/>
+            <a:tailEnd type="arrow"/>
+          </a:ln>
+        </p:spPr>
+        <p:style>
+          <a:lnRef idx="1">
+            <a:schemeClr val="accent1"/>
+          </a:lnRef>
+          <a:fillRef idx="0">
+            <a:schemeClr val="accent1"/>
+          </a:fillRef>
+          <a:effectRef idx="0">
+            <a:schemeClr val="accent1"/>
+          </a:effectRef>
+          <a:fontRef idx="minor">
+            <a:schemeClr val="tx1"/>
+          </a:fontRef>
+        </p:style>
+      </p:cxnSp>
+      <p:cxnSp>
+        <p:nvCxnSpPr>
+          <p:cNvPr id="48" name="Straight Arrow Connector 47"/>
+          <p:cNvCxnSpPr/>
+          <p:nvPr/>
+        </p:nvCxnSpPr>
+        <p:spPr>
+          <a:xfrm>
+            <a:off x="6248400" y="3352800"/>
+            <a:ext cx="838200" cy="457200"/>
+          </a:xfrm>
+          <a:prstGeom prst="straightConnector1">
+            <a:avLst/>
+          </a:prstGeom>
+          <a:ln>
+            <a:prstDash val="dash"/>
+            <a:tailEnd type="arrow"/>
+          </a:ln>
+        </p:spPr>
+        <p:style>
+          <a:lnRef idx="1">
+            <a:schemeClr val="accent1"/>
+          </a:lnRef>
+          <a:fillRef idx="0">
+            <a:schemeClr val="accent1"/>
+          </a:fillRef>
+          <a:effectRef idx="0">
+            <a:schemeClr val="accent1"/>
+          </a:effectRef>
+          <a:fontRef idx="minor">
+            <a:schemeClr val="tx1"/>
+          </a:fontRef>
+        </p:style>
+      </p:cxnSp>
+      <p:cxnSp>
+        <p:nvCxnSpPr>
+          <p:cNvPr id="56" name="Straight Arrow Connector 55"/>
+          <p:cNvCxnSpPr/>
+          <p:nvPr/>
+        </p:nvCxnSpPr>
+        <p:spPr>
+          <a:xfrm flipH="1">
+            <a:off x="3962400" y="3581400"/>
+            <a:ext cx="1295400" cy="381000"/>
+          </a:xfrm>
+          <a:prstGeom prst="straightConnector1">
+            <a:avLst/>
+          </a:prstGeom>
+          <a:ln>
+            <a:prstDash val="dash"/>
+            <a:tailEnd type="arrow"/>
+          </a:ln>
+        </p:spPr>
+        <p:style>
+          <a:lnRef idx="1">
+            <a:schemeClr val="accent1"/>
+          </a:lnRef>
+          <a:fillRef idx="0">
+            <a:schemeClr val="accent1"/>
+          </a:fillRef>
+          <a:effectRef idx="0">
+            <a:schemeClr val="accent1"/>
+          </a:effectRef>
+          <a:fontRef idx="minor">
+            <a:schemeClr val="tx1"/>
+          </a:fontRef>
+        </p:style>
+      </p:cxnSp>
+      <p:cxnSp>
+        <p:nvCxnSpPr>
+          <p:cNvPr id="65" name="Straight Arrow Connector 64"/>
+          <p:cNvCxnSpPr/>
+          <p:nvPr/>
+        </p:nvCxnSpPr>
+        <p:spPr>
+          <a:xfrm>
+            <a:off x="6248400" y="3352800"/>
+            <a:ext cx="228600" cy="457200"/>
+          </a:xfrm>
+          <a:prstGeom prst="straightConnector1">
+            <a:avLst/>
+          </a:prstGeom>
+          <a:ln>
+            <a:prstDash val="dash"/>
+            <a:tailEnd type="arrow"/>
+          </a:ln>
+        </p:spPr>
+        <p:style>
+          <a:lnRef idx="1">
+            <a:schemeClr val="accent1"/>
+          </a:lnRef>
+          <a:fillRef idx="0">
+            <a:schemeClr val="accent1"/>
+          </a:fillRef>
+          <a:effectRef idx="0">
+            <a:schemeClr val="accent1"/>
+          </a:effectRef>
+          <a:fontRef idx="minor">
+            <a:schemeClr val="tx1"/>
+          </a:fontRef>
+        </p:style>
+      </p:cxnSp>
+      <p:cxnSp>
+        <p:nvCxnSpPr>
+          <p:cNvPr id="68" name="Straight Arrow Connector 67"/>
+          <p:cNvCxnSpPr/>
+          <p:nvPr/>
+        </p:nvCxnSpPr>
+        <p:spPr>
+          <a:xfrm flipH="1">
+            <a:off x="5867400" y="3352800"/>
+            <a:ext cx="1676400" cy="533400"/>
+          </a:xfrm>
+          <a:prstGeom prst="straightConnector1">
+            <a:avLst/>
+          </a:prstGeom>
+          <a:ln>
+            <a:prstDash val="dash"/>
+            <a:tailEnd type="arrow"/>
+          </a:ln>
+        </p:spPr>
+        <p:style>
+          <a:lnRef idx="1">
+            <a:schemeClr val="accent1"/>
+          </a:lnRef>
+          <a:fillRef idx="0">
+            <a:schemeClr val="accent1"/>
+          </a:fillRef>
+          <a:effectRef idx="0">
+            <a:schemeClr val="accent1"/>
+          </a:effectRef>
+          <a:fontRef idx="minor">
+            <a:schemeClr val="tx1"/>
+          </a:fontRef>
+        </p:style>
+      </p:cxnSp>
+      <p:cxnSp>
+        <p:nvCxnSpPr>
+          <p:cNvPr id="72" name="Straight Arrow Connector 71"/>
+          <p:cNvCxnSpPr/>
+          <p:nvPr/>
+        </p:nvCxnSpPr>
+        <p:spPr>
+          <a:xfrm flipH="1">
+            <a:off x="6629400" y="3352800"/>
+            <a:ext cx="914400" cy="609600"/>
+          </a:xfrm>
+          <a:prstGeom prst="straightConnector1">
+            <a:avLst/>
+          </a:prstGeom>
+          <a:ln>
+            <a:prstDash val="dash"/>
+            <a:tailEnd type="arrow"/>
+          </a:ln>
+        </p:spPr>
+        <p:style>
+          <a:lnRef idx="1">
+            <a:schemeClr val="accent1"/>
+          </a:lnRef>
+          <a:fillRef idx="0">
+            <a:schemeClr val="accent1"/>
+          </a:fillRef>
+          <a:effectRef idx="0">
+            <a:schemeClr val="accent1"/>
+          </a:effectRef>
+          <a:fontRef idx="minor">
+            <a:schemeClr val="tx1"/>
+          </a:fontRef>
+        </p:style>
+      </p:cxnSp>
+      <p:cxnSp>
+        <p:nvCxnSpPr>
+          <p:cNvPr id="74" name="Straight Arrow Connector 73"/>
+          <p:cNvCxnSpPr/>
+          <p:nvPr/>
+        </p:nvCxnSpPr>
+        <p:spPr>
+          <a:xfrm>
+            <a:off x="7543800" y="3352800"/>
+            <a:ext cx="152400" cy="457200"/>
+          </a:xfrm>
+          <a:prstGeom prst="straightConnector1">
+            <a:avLst/>
+          </a:prstGeom>
+          <a:ln>
+            <a:prstDash val="dash"/>
+            <a:tailEnd type="arrow"/>
+          </a:ln>
+        </p:spPr>
+        <p:style>
+          <a:lnRef idx="1">
+            <a:schemeClr val="accent1"/>
+          </a:lnRef>
+          <a:fillRef idx="0">
+            <a:schemeClr val="accent1"/>
+          </a:fillRef>
+          <a:effectRef idx="0">
+            <a:schemeClr val="accent1"/>
+          </a:effectRef>
+          <a:fontRef idx="minor">
+            <a:schemeClr val="tx1"/>
+          </a:fontRef>
+        </p:style>
+      </p:cxnSp>
+      <p:cxnSp>
+        <p:nvCxnSpPr>
+          <p:cNvPr id="79" name="Straight Connector 78"/>
+          <p:cNvCxnSpPr/>
+          <p:nvPr/>
+        </p:nvCxnSpPr>
+        <p:spPr>
+          <a:xfrm flipH="1">
+            <a:off x="1981200" y="5334000"/>
+            <a:ext cx="5791200" cy="0"/>
+          </a:xfrm>
+          <a:prstGeom prst="line">
+            <a:avLst/>
+          </a:prstGeom>
+        </p:spPr>
+        <p:style>
+          <a:lnRef idx="1">
+            <a:schemeClr val="accent1"/>
+          </a:lnRef>
+          <a:fillRef idx="0">
+            <a:schemeClr val="accent1"/>
+          </a:fillRef>
+          <a:effectRef idx="0">
+            <a:schemeClr val="accent1"/>
+          </a:effectRef>
+          <a:fontRef idx="minor">
+            <a:schemeClr val="tx1"/>
+          </a:fontRef>
+        </p:style>
+      </p:cxnSp>
+      <p:cxnSp>
+        <p:nvCxnSpPr>
+          <p:cNvPr id="80" name="Straight Connector 79"/>
+          <p:cNvCxnSpPr/>
+          <p:nvPr/>
+        </p:nvCxnSpPr>
+        <p:spPr>
+          <a:xfrm>
+            <a:off x="1981200" y="4038600"/>
+            <a:ext cx="0" cy="1295400"/>
+          </a:xfrm>
+          <a:prstGeom prst="line">
+            <a:avLst/>
+          </a:prstGeom>
+          <a:ln>
+            <a:headEnd type="arrow" w="med" len="med"/>
+            <a:tailEnd type="none" w="med" len="med"/>
+          </a:ln>
+        </p:spPr>
+        <p:style>
+          <a:lnRef idx="1">
+            <a:schemeClr val="accent1"/>
+          </a:lnRef>
+          <a:fillRef idx="0">
+            <a:schemeClr val="accent1"/>
+          </a:fillRef>
+          <a:effectRef idx="0">
+            <a:schemeClr val="accent1"/>
+          </a:effectRef>
+          <a:fontRef idx="minor">
+            <a:schemeClr val="tx1"/>
+          </a:fontRef>
+        </p:style>
+      </p:cxnSp>
+      <p:sp>
+        <p:nvSpPr>
+          <p:cNvPr id="83" name="Rounded Rectangle 82"/>
+          <p:cNvSpPr/>
+          <p:nvPr/>
+        </p:nvSpPr>
+        <p:spPr>
+          <a:xfrm>
+            <a:off x="1447800" y="3352800"/>
+            <a:ext cx="1066800" cy="685800"/>
+          </a:xfrm>
+          <a:prstGeom prst="roundRect">
+            <a:avLst/>
+          </a:prstGeom>
+        </p:spPr>
+        <p:style>
+          <a:lnRef idx="1">
+            <a:schemeClr val="dk1"/>
+          </a:lnRef>
+          <a:fillRef idx="2">
+            <a:schemeClr val="dk1"/>
+          </a:fillRef>
+          <a:effectRef idx="1">
+            <a:schemeClr val="dk1"/>
+          </a:effectRef>
+          <a:fontRef idx="minor">
+            <a:schemeClr val="dk1"/>
+          </a:fontRef>
+        </p:style>
+        <p:txBody>
+          <a:bodyPr rtlCol="0" anchor="ctr"/>
+          <a:lstStyle/>
+          <a:p>
+            <a:pPr algn="ctr"/>
+            <a:r>
+              <a:rPr lang="en-US" dirty="0" smtClean="0"/>
+              <a:t>Request Queue</a:t>
+            </a:r>
+            <a:endParaRPr lang="en-US" dirty="0"/>
+          </a:p>
+        </p:txBody>
+      </p:sp>
+      <p:cxnSp>
+        <p:nvCxnSpPr>
+          <p:cNvPr id="84" name="Straight Arrow Connector 83"/>
+          <p:cNvCxnSpPr/>
+          <p:nvPr/>
+        </p:nvCxnSpPr>
+        <p:spPr>
+          <a:xfrm>
+            <a:off x="3810000" y="4876800"/>
+            <a:ext cx="0" cy="457200"/>
+          </a:xfrm>
+          <a:prstGeom prst="straightConnector1">
+            <a:avLst/>
+          </a:prstGeom>
+          <a:ln>
+            <a:tailEnd type="arrow"/>
+          </a:ln>
+        </p:spPr>
+        <p:style>
+          <a:lnRef idx="1">
+            <a:schemeClr val="accent1"/>
+          </a:lnRef>
+          <a:fillRef idx="0">
+            <a:schemeClr val="accent1"/>
+          </a:fillRef>
+          <a:effectRef idx="0">
+            <a:schemeClr val="accent1"/>
+          </a:effectRef>
+          <a:fontRef idx="minor">
+            <a:schemeClr val="tx1"/>
+          </a:fontRef>
+        </p:style>
+      </p:cxnSp>
+      <p:cxnSp>
+        <p:nvCxnSpPr>
+          <p:cNvPr id="86" name="Straight Arrow Connector 85"/>
+          <p:cNvCxnSpPr/>
+          <p:nvPr/>
+        </p:nvCxnSpPr>
+        <p:spPr>
+          <a:xfrm>
+            <a:off x="5257800" y="4876800"/>
+            <a:ext cx="0" cy="457200"/>
+          </a:xfrm>
+          <a:prstGeom prst="straightConnector1">
+            <a:avLst/>
+          </a:prstGeom>
+          <a:ln>
+            <a:tailEnd type="arrow"/>
+          </a:ln>
+        </p:spPr>
+        <p:style>
+          <a:lnRef idx="1">
+            <a:schemeClr val="accent1"/>
+          </a:lnRef>
+          <a:fillRef idx="0">
+            <a:schemeClr val="accent1"/>
+          </a:fillRef>
+          <a:effectRef idx="0">
+            <a:schemeClr val="accent1"/>
+          </a:effectRef>
+          <a:fontRef idx="minor">
+            <a:schemeClr val="tx1"/>
+          </a:fontRef>
+        </p:style>
+      </p:cxnSp>
+      <p:cxnSp>
+        <p:nvCxnSpPr>
+          <p:cNvPr id="87" name="Straight Arrow Connector 86"/>
+          <p:cNvCxnSpPr/>
+          <p:nvPr/>
+        </p:nvCxnSpPr>
+        <p:spPr>
+          <a:xfrm>
+            <a:off x="7772400" y="4876800"/>
+            <a:ext cx="0" cy="457200"/>
+          </a:xfrm>
+          <a:prstGeom prst="straightConnector1">
+            <a:avLst/>
+          </a:prstGeom>
+          <a:ln>
+            <a:tailEnd type="arrow"/>
+          </a:ln>
+        </p:spPr>
+        <p:style>
+          <a:lnRef idx="1">
+            <a:schemeClr val="accent1"/>
+          </a:lnRef>
+          <a:fillRef idx="0">
+            <a:schemeClr val="accent1"/>
+          </a:fillRef>
+          <a:effectRef idx="0">
+            <a:schemeClr val="accent1"/>
+          </a:effectRef>
+          <a:fontRef idx="minor">
+            <a:schemeClr val="tx1"/>
+          </a:fontRef>
+        </p:style>
+      </p:cxnSp>
+      <p:cxnSp>
+        <p:nvCxnSpPr>
+          <p:cNvPr id="113" name="Straight Connector 112"/>
+          <p:cNvCxnSpPr/>
+          <p:nvPr/>
+        </p:nvCxnSpPr>
+        <p:spPr>
+          <a:xfrm flipH="1">
+            <a:off x="1981200" y="2057400"/>
+            <a:ext cx="762000" cy="0"/>
+          </a:xfrm>
+          <a:prstGeom prst="line">
+            <a:avLst/>
+          </a:prstGeom>
+          <a:ln>
+            <a:headEnd type="arrow" w="med" len="med"/>
+            <a:tailEnd type="none" w="med" len="med"/>
+          </a:ln>
+        </p:spPr>
+        <p:style>
+          <a:lnRef idx="1">
+            <a:schemeClr val="accent1"/>
+          </a:lnRef>
+          <a:fillRef idx="0">
+            <a:schemeClr val="accent1"/>
+          </a:fillRef>
+          <a:effectRef idx="0">
+            <a:schemeClr val="accent1"/>
+          </a:effectRef>
+          <a:fontRef idx="minor">
+            <a:schemeClr val="tx1"/>
+          </a:fontRef>
+        </p:style>
+      </p:cxnSp>
+      <p:cxnSp>
+        <p:nvCxnSpPr>
+          <p:cNvPr id="117" name="Straight Connector 116"/>
+          <p:cNvCxnSpPr>
+            <a:endCxn id="83" idx="0"/>
+          </p:cNvCxnSpPr>
+          <p:nvPr/>
+        </p:nvCxnSpPr>
+        <p:spPr>
+          <a:xfrm>
+            <a:off x="1981200" y="2057400"/>
+            <a:ext cx="0" cy="1295400"/>
+          </a:xfrm>
+          <a:prstGeom prst="line">
+            <a:avLst/>
+          </a:prstGeom>
+          <a:ln>
+            <a:headEnd type="none" w="med" len="med"/>
+            <a:tailEnd type="none" w="med" len="med"/>
+          </a:ln>
+        </p:spPr>
+        <p:style>
+          <a:lnRef idx="1">
+            <a:schemeClr val="accent1"/>
+          </a:lnRef>
+          <a:fillRef idx="0">
+            <a:schemeClr val="accent1"/>
+          </a:fillRef>
+          <a:effectRef idx="0">
+            <a:schemeClr val="accent1"/>
+          </a:effectRef>
+          <a:fontRef idx="minor">
+            <a:schemeClr val="tx1"/>
+          </a:fontRef>
+        </p:style>
+      </p:cxnSp>
+      <p:sp>
+        <p:nvSpPr>
+          <p:cNvPr id="125" name="TextBox 124"/>
+          <p:cNvSpPr txBox="1"/>
+          <p:nvPr/>
+        </p:nvSpPr>
+        <p:spPr>
+          <a:xfrm>
+            <a:off x="8305800" y="2819400"/>
+            <a:ext cx="1676400" cy="369332"/>
+          </a:xfrm>
+          <a:prstGeom prst="rect">
+            <a:avLst/>
+          </a:prstGeom>
+          <a:noFill/>
+        </p:spPr>
+        <p:txBody>
+          <a:bodyPr wrap="square" rtlCol="0">
+            <a:spAutoFit/>
+          </a:bodyPr>
+          <a:lstStyle/>
+          <a:p>
+            <a:r>
+              <a:rPr lang="en-US" dirty="0" smtClean="0"/>
+              <a:t>1 Line</a:t>
+            </a:r>
+            <a:endParaRPr lang="en-US" dirty="0"/>
+          </a:p>
+        </p:txBody>
+      </p:sp>
+      <p:sp>
+        <p:nvSpPr>
+          <p:cNvPr id="126" name="TextBox 125"/>
+          <p:cNvSpPr txBox="1"/>
+          <p:nvPr/>
+        </p:nvSpPr>
+        <p:spPr>
+          <a:xfrm>
+            <a:off x="1295400" y="1676400"/>
+            <a:ext cx="1447800" cy="338554"/>
+          </a:xfrm>
+          <a:prstGeom prst="rect">
+            <a:avLst/>
+          </a:prstGeom>
+          <a:noFill/>
+        </p:spPr>
+        <p:txBody>
+          <a:bodyPr wrap="square" rtlCol="0">
+            <a:spAutoFit/>
+          </a:bodyPr>
+          <a:lstStyle/>
+          <a:p>
+            <a:r>
+              <a:rPr lang="en-US" sz="1600" dirty="0" smtClean="0"/>
+              <a:t>Line Address</a:t>
+            </a:r>
+            <a:endParaRPr lang="en-US" sz="1600" dirty="0"/>
+          </a:p>
+        </p:txBody>
+      </p:sp>
+      <p:sp>
+        <p:nvSpPr>
+          <p:cNvPr id="127" name="TextBox 126"/>
+          <p:cNvSpPr txBox="1"/>
+          <p:nvPr/>
+        </p:nvSpPr>
+        <p:spPr>
+          <a:xfrm>
+            <a:off x="2362200" y="5029200"/>
+            <a:ext cx="1447800" cy="338554"/>
+          </a:xfrm>
+          <a:prstGeom prst="rect">
+            <a:avLst/>
+          </a:prstGeom>
+          <a:noFill/>
+        </p:spPr>
+        <p:txBody>
+          <a:bodyPr wrap="square" rtlCol="0">
+            <a:spAutoFit/>
+          </a:bodyPr>
+          <a:lstStyle/>
+          <a:p>
+            <a:r>
+              <a:rPr lang="en-US" sz="1600" dirty="0" smtClean="0"/>
+              <a:t>Ld/ St </a:t>
+            </a:r>
+            <a:r>
+              <a:rPr lang="en-US" sz="1600" dirty="0" err="1" smtClean="0"/>
+              <a:t>Req</a:t>
+            </a:r>
+            <a:endParaRPr lang="en-US" sz="1600" dirty="0"/>
+          </a:p>
+        </p:txBody>
+      </p:sp>
+      <p:sp>
+        <p:nvSpPr>
+          <p:cNvPr id="129" name="TextBox 128"/>
+          <p:cNvSpPr txBox="1"/>
+          <p:nvPr/>
+        </p:nvSpPr>
+        <p:spPr>
+          <a:xfrm>
+            <a:off x="0" y="3352800"/>
+            <a:ext cx="1600200" cy="923330"/>
+          </a:xfrm>
+          <a:prstGeom prst="rect">
+            <a:avLst/>
+          </a:prstGeom>
+          <a:noFill/>
+        </p:spPr>
+        <p:txBody>
+          <a:bodyPr wrap="square" rtlCol="0">
+            <a:spAutoFit/>
+          </a:bodyPr>
+          <a:lstStyle/>
+          <a:p>
+            <a:r>
+              <a:rPr lang="en-US" dirty="0" smtClean="0"/>
+              <a:t>Load Store Queue</a:t>
+            </a:r>
+          </a:p>
+          <a:p>
+            <a:endParaRPr lang="en-US" dirty="0"/>
+          </a:p>
+        </p:txBody>
+      </p:sp>
+      <p:cxnSp>
+        <p:nvCxnSpPr>
+          <p:cNvPr id="135" name="Straight Arrow Connector 134"/>
+          <p:cNvCxnSpPr/>
+          <p:nvPr/>
+        </p:nvCxnSpPr>
+        <p:spPr>
+          <a:xfrm>
+            <a:off x="990600" y="3733800"/>
+            <a:ext cx="304800" cy="0"/>
+          </a:xfrm>
+          <a:prstGeom prst="straightConnector1">
+            <a:avLst/>
+          </a:prstGeom>
+          <a:ln>
+            <a:tailEnd type="arrow"/>
+          </a:ln>
+        </p:spPr>
+        <p:style>
+          <a:lnRef idx="1">
+            <a:schemeClr val="accent1"/>
+          </a:lnRef>
+          <a:fillRef idx="0">
+            <a:schemeClr val="accent1"/>
+          </a:fillRef>
+          <a:effectRef idx="0">
+            <a:schemeClr val="accent1"/>
+          </a:effectRef>
+          <a:fontRef idx="minor">
+            <a:schemeClr val="tx1"/>
+          </a:fontRef>
+        </p:style>
+      </p:cxnSp>
+      <p:sp>
+        <p:nvSpPr>
+          <p:cNvPr id="49" name="Trapezoid 48"/>
+          <p:cNvSpPr/>
+          <p:nvPr/>
+        </p:nvSpPr>
+        <p:spPr>
+          <a:xfrm rot="16200000">
+            <a:off x="2209800" y="1905000"/>
+            <a:ext cx="1447800" cy="381000"/>
+          </a:xfrm>
+          <a:prstGeom prst="trapezoid">
+            <a:avLst/>
+          </a:prstGeom>
+        </p:spPr>
+        <p:style>
+          <a:lnRef idx="1">
+            <a:schemeClr val="dk1"/>
+          </a:lnRef>
+          <a:fillRef idx="2">
+            <a:schemeClr val="dk1"/>
+          </a:fillRef>
+          <a:effectRef idx="1">
+            <a:schemeClr val="dk1"/>
+          </a:effectRef>
+          <a:fontRef idx="minor">
+            <a:schemeClr val="dk1"/>
+          </a:fontRef>
+        </p:style>
+        <p:txBody>
+          <a:bodyPr rtlCol="0" anchor="ctr"/>
+          <a:lstStyle/>
+          <a:p>
+            <a:pPr algn="ctr"/>
+            <a:r>
+              <a:rPr lang="en-US" dirty="0" smtClean="0"/>
+              <a:t>Decoder</a:t>
+            </a:r>
+            <a:endParaRPr lang="en-US" dirty="0"/>
+          </a:p>
+        </p:txBody>
+      </p:sp>
+      <p:sp>
+        <p:nvSpPr>
+          <p:cNvPr id="112" name="TextBox 111"/>
+          <p:cNvSpPr txBox="1"/>
+          <p:nvPr/>
+        </p:nvSpPr>
+        <p:spPr>
+          <a:xfrm>
+            <a:off x="4953000" y="1600200"/>
+            <a:ext cx="1447800" cy="369332"/>
+          </a:xfrm>
+          <a:prstGeom prst="rect">
+            <a:avLst/>
+          </a:prstGeom>
+          <a:solidFill>
+            <a:schemeClr val="accent1"/>
+          </a:solidFill>
+        </p:spPr>
+        <p:txBody>
+          <a:bodyPr wrap="square" rtlCol="0">
+            <a:spAutoFit/>
+          </a:bodyPr>
+          <a:lstStyle/>
+          <a:p>
+            <a:pPr algn="ctr"/>
+            <a:r>
+              <a:rPr lang="en-US" dirty="0" smtClean="0"/>
+              <a:t>L1 Cache</a:t>
+            </a:r>
+          </a:p>
+        </p:txBody>
+      </p:sp>
+      <p:cxnSp>
+        <p:nvCxnSpPr>
+          <p:cNvPr id="59" name="Straight Connector 58"/>
+          <p:cNvCxnSpPr/>
+          <p:nvPr/>
+        </p:nvCxnSpPr>
+        <p:spPr>
+          <a:xfrm>
+            <a:off x="6019800" y="4648200"/>
+            <a:ext cx="228600" cy="0"/>
+          </a:xfrm>
+          <a:prstGeom prst="line">
+            <a:avLst/>
+          </a:prstGeom>
+        </p:spPr>
+        <p:style>
+          <a:lnRef idx="1">
+            <a:schemeClr val="dk1"/>
+          </a:lnRef>
+          <a:fillRef idx="0">
+            <a:schemeClr val="dk1"/>
+          </a:fillRef>
+          <a:effectRef idx="0">
+            <a:schemeClr val="dk1"/>
+          </a:effectRef>
+          <a:fontRef idx="minor">
+            <a:schemeClr val="tx1"/>
+          </a:fontRef>
+        </p:style>
+      </p:cxnSp>
+      <p:cxnSp>
+        <p:nvCxnSpPr>
+          <p:cNvPr id="60" name="Straight Connector 59"/>
+          <p:cNvCxnSpPr/>
+          <p:nvPr/>
+        </p:nvCxnSpPr>
+        <p:spPr>
+          <a:xfrm>
+            <a:off x="6400800" y="4648200"/>
+            <a:ext cx="228600" cy="0"/>
+          </a:xfrm>
+          <a:prstGeom prst="line">
+            <a:avLst/>
+          </a:prstGeom>
+        </p:spPr>
+        <p:style>
+          <a:lnRef idx="1">
+            <a:schemeClr val="dk1"/>
+          </a:lnRef>
+          <a:fillRef idx="0">
+            <a:schemeClr val="dk1"/>
+          </a:fillRef>
+          <a:effectRef idx="0">
+            <a:schemeClr val="dk1"/>
+          </a:effectRef>
+          <a:fontRef idx="minor">
+            <a:schemeClr val="tx1"/>
+          </a:fontRef>
+        </p:style>
+      </p:cxnSp>
+      <p:cxnSp>
+        <p:nvCxnSpPr>
+          <p:cNvPr id="61" name="Straight Connector 60"/>
+          <p:cNvCxnSpPr/>
+          <p:nvPr/>
+        </p:nvCxnSpPr>
+        <p:spPr>
+          <a:xfrm>
+            <a:off x="6781800" y="4648200"/>
+            <a:ext cx="228600" cy="0"/>
+          </a:xfrm>
+          <a:prstGeom prst="line">
+            <a:avLst/>
+          </a:prstGeom>
+        </p:spPr>
+        <p:style>
+          <a:lnRef idx="1">
+            <a:schemeClr val="dk1"/>
+          </a:lnRef>
+          <a:fillRef idx="0">
+            <a:schemeClr val="dk1"/>
+          </a:fillRef>
+          <a:effectRef idx="0">
+            <a:schemeClr val="dk1"/>
+          </a:effectRef>
+          <a:fontRef idx="minor">
+            <a:schemeClr val="tx1"/>
+          </a:fontRef>
+        </p:style>
+      </p:cxnSp>
+      <p:sp>
+        <p:nvSpPr>
+          <p:cNvPr id="51" name="Rectangle 50"/>
+          <p:cNvSpPr/>
+          <p:nvPr/>
+        </p:nvSpPr>
+        <p:spPr>
+          <a:xfrm>
+            <a:off x="3124200" y="1371600"/>
+            <a:ext cx="5410200" cy="1447800"/>
+          </a:xfrm>
+          <a:prstGeom prst="rect">
+            <a:avLst/>
+          </a:prstGeom>
+        </p:spPr>
+        <p:style>
+          <a:lnRef idx="1">
+            <a:schemeClr val="dk1"/>
+          </a:lnRef>
+          <a:fillRef idx="2">
+            <a:schemeClr val="dk1"/>
+          </a:fillRef>
+          <a:effectRef idx="1">
+            <a:schemeClr val="dk1"/>
+          </a:effectRef>
+          <a:fontRef idx="minor">
+            <a:schemeClr val="dk1"/>
+          </a:fontRef>
+        </p:style>
+        <p:txBody>
+          <a:bodyPr rtlCol="0" anchor="ctr"/>
+          <a:lstStyle/>
+          <a:p>
+            <a:pPr algn="ctr"/>
+            <a:endParaRPr lang="en-US"/>
+          </a:p>
+        </p:txBody>
+      </p:sp>
       <p:graphicFrame>
         <p:nvGraphicFramePr>
-          <p:cNvPr id="15" name="Table 14"/>
+          <p:cNvPr id="52" name="Table 51"/>
           <p:cNvGraphicFramePr>
             <a:graphicFrameLocks noGrp="1"/>
           </p:cNvGraphicFramePr>
           <p:nvPr/>
         </p:nvGraphicFramePr>
         <p:xfrm>
-          <a:off x="3124200" y="1371600"/>
-          <a:ext cx="5486400" cy="1463040"/>
+          <a:off x="3124200" y="2133600"/>
+          <a:ext cx="5410200" cy="301752"/>
         </p:xfrm>
         <a:graphic>
           <a:graphicData uri="http://schemas.openxmlformats.org/drawingml/2006/table">
@@ -3387,23 +4763,108 @@
                 <a:tableStyleId>{D113A9D2-9D6B-4929-AA2D-F23B5EE8CBE7}</a:tableStyleId>
               </a:tblPr>
               <a:tblGrid>
-                <a:gridCol w="685800"/>
-                <a:gridCol w="685800"/>
-                <a:gridCol w="685800"/>
-                <a:gridCol w="685800"/>
-                <a:gridCol w="685800"/>
-                <a:gridCol w="685800"/>
-                <a:gridCol w="685800"/>
-                <a:gridCol w="685800"/>
+                <a:gridCol w="676275"/>
+                <a:gridCol w="676275"/>
+                <a:gridCol w="676275"/>
+                <a:gridCol w="676275"/>
+                <a:gridCol w="676275"/>
+                <a:gridCol w="676275"/>
+                <a:gridCol w="676275"/>
+                <a:gridCol w="676275"/>
               </a:tblGrid>
-              <a:tr h="361950">
+              <a:tr h="301752">
                 <a:tc>
                   <a:txBody>
                     <a:bodyPr/>
                     <a:lstStyle/>
                     <a:p>
                       <a:pPr algn="ctr"/>
-                      <a:endParaRPr lang="en-US" dirty="0"/>
+                      <a:r>
+                        <a:rPr lang="en-US" sz="1300" dirty="0" smtClean="0"/>
+                        <a:t>Word1</a:t>
+                      </a:r>
+                      <a:endParaRPr lang="en-US" sz="1300" dirty="0"/>
+                    </a:p>
+                  </a:txBody>
+                  <a:tcPr>
+                    <a:lnL w="12700" cap="flat" cmpd="sng" algn="ctr">
+                      <a:solidFill>
+                        <a:schemeClr val="tx1"/>
+                      </a:solidFill>
+                      <a:prstDash val="solid"/>
+                      <a:round/>
+                      <a:headEnd type="none" w="med" len="med"/>
+                      <a:tailEnd type="none" w="med" len="med"/>
+                    </a:lnL>
+                    <a:lnR w="12700" cap="flat" cmpd="sng" algn="ctr">
+                      <a:solidFill>
+                        <a:schemeClr val="tx1"/>
+                      </a:solidFill>
+                      <a:prstDash val="solid"/>
+                      <a:round/>
+                      <a:headEnd type="none" w="med" len="med"/>
+                      <a:tailEnd type="none" w="med" len="med"/>
+                    </a:lnR>
+                    <a:lnT w="12700" cap="flat" cmpd="sng" algn="ctr">
+                      <a:solidFill>
+                        <a:schemeClr val="tx1"/>
+                      </a:solidFill>
+                      <a:prstDash val="solid"/>
+                      <a:round/>
+                      <a:headEnd type="none" w="med" len="med"/>
+                      <a:tailEnd type="none" w="med" len="med"/>
+                    </a:lnT>
+                    <a:lnB w="12700" cap="flat" cmpd="sng" algn="ctr">
+                      <a:solidFill>
+                        <a:schemeClr val="tx1"/>
+                      </a:solidFill>
+                      <a:prstDash val="solid"/>
+                      <a:round/>
+                      <a:headEnd type="none" w="med" len="med"/>
+                      <a:tailEnd type="none" w="med" len="med"/>
+                    </a:lnB>
+                    <a:lnTlToBr w="12700" cmpd="sng">
+                      <a:noFill/>
+                      <a:prstDash val="solid"/>
+                    </a:lnTlToBr>
+                    <a:lnBlToTr w="12700" cmpd="sng">
+                      <a:noFill/>
+                      <a:prstDash val="solid"/>
+                    </a:lnBlToTr>
+                    <a:solidFill>
+                      <a:schemeClr val="tx2">
+                        <a:lumMod val="20000"/>
+                        <a:lumOff val="80000"/>
+                      </a:schemeClr>
+                    </a:solidFill>
+                  </a:tcPr>
+                </a:tc>
+                <a:tc>
+                  <a:txBody>
+                    <a:bodyPr/>
+                    <a:lstStyle/>
+                    <a:p>
+                      <a:pPr marL="0" marR="0" indent="0" algn="ctr" defTabSz="914400" rtl="0" eaLnBrk="1" fontAlgn="auto" latinLnBrk="0" hangingPunct="1">
+                        <a:lnSpc>
+                          <a:spcPct val="100000"/>
+                        </a:lnSpc>
+                        <a:spcBef>
+                          <a:spcPts val="0"/>
+                        </a:spcBef>
+                        <a:spcAft>
+                          <a:spcPts val="0"/>
+                        </a:spcAft>
+                        <a:buClrTx/>
+                        <a:buSzTx/>
+                        <a:buFontTx/>
+                        <a:buNone/>
+                        <a:tabLst/>
+                        <a:defRPr/>
+                      </a:pPr>
+                      <a:r>
+                        <a:rPr lang="en-US" sz="1300" dirty="0" smtClean="0"/>
+                        <a:t>Word2</a:t>
+                      </a:r>
                     </a:p>
                   </a:txBody>
                   <a:tcPr>
@@ -3465,7 +4926,11 @@
                     <a:lstStyle/>
                     <a:p>
                       <a:pPr algn="ctr"/>
-                      <a:endParaRPr lang="en-US" dirty="0"/>
+                      <a:r>
+                        <a:rPr lang="en-US" sz="1300" dirty="0" smtClean="0"/>
+                        <a:t>..</a:t>
+                      </a:r>
+                      <a:endParaRPr lang="en-US" sz="1300" dirty="0"/>
                     </a:p>
                   </a:txBody>
                   <a:tcPr>
@@ -3527,7 +4992,11 @@
                     <a:lstStyle/>
                     <a:p>
                       <a:pPr algn="ctr"/>
-                      <a:endParaRPr lang="en-US" dirty="0"/>
+                      <a:r>
+                        <a:rPr lang="en-US" sz="1300" dirty="0" smtClean="0"/>
+                        <a:t>..</a:t>
+                      </a:r>
+                      <a:endParaRPr lang="en-US" sz="1300" dirty="0"/>
                     </a:p>
                   </a:txBody>
                   <a:tcPr>
@@ -3589,7 +5058,11 @@
                     <a:lstStyle/>
                     <a:p>
                       <a:pPr algn="ctr"/>
-                      <a:endParaRPr lang="en-US" dirty="0"/>
+                      <a:r>
+                        <a:rPr lang="en-US" sz="1300" dirty="0" smtClean="0"/>
+                        <a:t>..</a:t>
+                      </a:r>
+                      <a:endParaRPr lang="en-US" sz="1300" dirty="0"/>
                     </a:p>
                   </a:txBody>
                   <a:tcPr>
@@ -3651,7 +5124,11 @@
                     <a:lstStyle/>
                     <a:p>
                       <a:pPr algn="ctr"/>
-                      <a:endParaRPr lang="en-US"/>
+                      <a:r>
+                        <a:rPr lang="en-US" sz="1300" dirty="0" smtClean="0"/>
+                        <a:t>..</a:t>
+                      </a:r>
+                      <a:endParaRPr lang="en-US" sz="1300" dirty="0"/>
                     </a:p>
                   </a:txBody>
                   <a:tcPr>
@@ -3713,7 +5190,11 @@
                     <a:lstStyle/>
                     <a:p>
                       <a:pPr algn="ctr"/>
-                      <a:endParaRPr lang="en-US"/>
+                      <a:r>
+                        <a:rPr lang="en-US" sz="1300" dirty="0" smtClean="0"/>
+                        <a:t>..</a:t>
+                      </a:r>
+                      <a:endParaRPr lang="en-US" sz="1300" dirty="0"/>
                     </a:p>
                   </a:txBody>
                   <a:tcPr>
@@ -3774,1556 +5255,27 @@
                     <a:bodyPr/>
                     <a:lstStyle/>
                     <a:p>
-                      <a:pPr algn="ctr"/>
-                      <a:endParaRPr lang="en-US"/>
-                    </a:p>
-                  </a:txBody>
-                  <a:tcPr>
-                    <a:lnL w="12700" cap="flat" cmpd="sng" algn="ctr">
-                      <a:solidFill>
-                        <a:schemeClr val="tx1"/>
-                      </a:solidFill>
-                      <a:prstDash val="solid"/>
-                      <a:round/>
-                      <a:headEnd type="none" w="med" len="med"/>
-                      <a:tailEnd type="none" w="med" len="med"/>
-                    </a:lnL>
-                    <a:lnR w="12700" cap="flat" cmpd="sng" algn="ctr">
-                      <a:solidFill>
-                        <a:schemeClr val="tx1"/>
-                      </a:solidFill>
-                      <a:prstDash val="solid"/>
-                      <a:round/>
-                      <a:headEnd type="none" w="med" len="med"/>
-                      <a:tailEnd type="none" w="med" len="med"/>
-                    </a:lnR>
-                    <a:lnT w="12700" cap="flat" cmpd="sng" algn="ctr">
-                      <a:solidFill>
-                        <a:schemeClr val="tx1"/>
-                      </a:solidFill>
-                      <a:prstDash val="solid"/>
-                      <a:round/>
-                      <a:headEnd type="none" w="med" len="med"/>
-                      <a:tailEnd type="none" w="med" len="med"/>
-                    </a:lnT>
-                    <a:lnB w="12700" cap="flat" cmpd="sng" algn="ctr">
-                      <a:solidFill>
-                        <a:schemeClr val="tx1"/>
-                      </a:solidFill>
-                      <a:prstDash val="solid"/>
-                      <a:round/>
-                      <a:headEnd type="none" w="med" len="med"/>
-                      <a:tailEnd type="none" w="med" len="med"/>
-                    </a:lnB>
-                    <a:lnTlToBr w="12700" cmpd="sng">
-                      <a:noFill/>
-                      <a:prstDash val="solid"/>
-                    </a:lnTlToBr>
-                    <a:lnBlToTr w="12700" cmpd="sng">
-                      <a:noFill/>
-                      <a:prstDash val="solid"/>
-                    </a:lnBlToTr>
-                    <a:solidFill>
-                      <a:schemeClr val="tx2">
-                        <a:lumMod val="20000"/>
-                        <a:lumOff val="80000"/>
-                      </a:schemeClr>
-                    </a:solidFill>
-                  </a:tcPr>
-                </a:tc>
-                <a:tc>
-                  <a:txBody>
-                    <a:bodyPr/>
-                    <a:lstStyle/>
-                    <a:p>
-                      <a:pPr algn="ctr"/>
-                      <a:endParaRPr lang="en-US" dirty="0"/>
-                    </a:p>
-                  </a:txBody>
-                  <a:tcPr>
-                    <a:lnL w="12700" cap="flat" cmpd="sng" algn="ctr">
-                      <a:solidFill>
-                        <a:schemeClr val="tx1"/>
-                      </a:solidFill>
-                      <a:prstDash val="solid"/>
-                      <a:round/>
-                      <a:headEnd type="none" w="med" len="med"/>
-                      <a:tailEnd type="none" w="med" len="med"/>
-                    </a:lnL>
-                    <a:lnR w="12700" cap="flat" cmpd="sng" algn="ctr">
-                      <a:solidFill>
-                        <a:schemeClr val="tx1"/>
-                      </a:solidFill>
-                      <a:prstDash val="solid"/>
-                      <a:round/>
-                      <a:headEnd type="none" w="med" len="med"/>
-                      <a:tailEnd type="none" w="med" len="med"/>
-                    </a:lnR>
-                    <a:lnT w="12700" cap="flat" cmpd="sng" algn="ctr">
-                      <a:solidFill>
-                        <a:schemeClr val="tx1"/>
-                      </a:solidFill>
-                      <a:prstDash val="solid"/>
-                      <a:round/>
-                      <a:headEnd type="none" w="med" len="med"/>
-                      <a:tailEnd type="none" w="med" len="med"/>
-                    </a:lnT>
-                    <a:lnB w="12700" cap="flat" cmpd="sng" algn="ctr">
-                      <a:solidFill>
-                        <a:schemeClr val="tx1"/>
-                      </a:solidFill>
-                      <a:prstDash val="solid"/>
-                      <a:round/>
-                      <a:headEnd type="none" w="med" len="med"/>
-                      <a:tailEnd type="none" w="med" len="med"/>
-                    </a:lnB>
-                    <a:lnTlToBr w="12700" cmpd="sng">
-                      <a:noFill/>
-                      <a:prstDash val="solid"/>
-                    </a:lnTlToBr>
-                    <a:lnBlToTr w="12700" cmpd="sng">
-                      <a:noFill/>
-                      <a:prstDash val="solid"/>
-                    </a:lnBlToTr>
-                    <a:solidFill>
-                      <a:schemeClr val="tx2">
-                        <a:lumMod val="20000"/>
-                        <a:lumOff val="80000"/>
-                      </a:schemeClr>
-                    </a:solidFill>
-                  </a:tcPr>
-                </a:tc>
-              </a:tr>
-              <a:tr h="361950">
-                <a:tc>
-                  <a:txBody>
-                    <a:bodyPr/>
-                    <a:lstStyle/>
-                    <a:p>
-                      <a:pPr algn="ctr"/>
-                      <a:endParaRPr lang="en-US" dirty="0"/>
-                    </a:p>
-                  </a:txBody>
-                  <a:tcPr>
-                    <a:lnL w="12700" cap="flat" cmpd="sng" algn="ctr">
-                      <a:solidFill>
-                        <a:schemeClr val="tx1"/>
-                      </a:solidFill>
-                      <a:prstDash val="solid"/>
-                      <a:round/>
-                      <a:headEnd type="none" w="med" len="med"/>
-                      <a:tailEnd type="none" w="med" len="med"/>
-                    </a:lnL>
-                    <a:lnR w="12700" cap="flat" cmpd="sng" algn="ctr">
-                      <a:solidFill>
-                        <a:schemeClr val="tx1"/>
-                      </a:solidFill>
-                      <a:prstDash val="solid"/>
-                      <a:round/>
-                      <a:headEnd type="none" w="med" len="med"/>
-                      <a:tailEnd type="none" w="med" len="med"/>
-                    </a:lnR>
-                    <a:lnT w="12700" cap="flat" cmpd="sng" algn="ctr">
-                      <a:solidFill>
-                        <a:schemeClr val="tx1"/>
-                      </a:solidFill>
-                      <a:prstDash val="solid"/>
-                      <a:round/>
-                      <a:headEnd type="none" w="med" len="med"/>
-                      <a:tailEnd type="none" w="med" len="med"/>
-                    </a:lnT>
-                    <a:lnB w="12700" cap="flat" cmpd="sng" algn="ctr">
-                      <a:solidFill>
-                        <a:schemeClr val="tx1"/>
-                      </a:solidFill>
-                      <a:prstDash val="solid"/>
-                      <a:round/>
-                      <a:headEnd type="none" w="med" len="med"/>
-                      <a:tailEnd type="none" w="med" len="med"/>
-                    </a:lnB>
-                    <a:lnTlToBr w="12700" cmpd="sng">
-                      <a:noFill/>
-                      <a:prstDash val="solid"/>
-                    </a:lnTlToBr>
-                    <a:lnBlToTr w="12700" cmpd="sng">
-                      <a:noFill/>
-                      <a:prstDash val="solid"/>
-                    </a:lnBlToTr>
-                    <a:solidFill>
-                      <a:schemeClr val="tx2">
-                        <a:lumMod val="20000"/>
-                        <a:lumOff val="80000"/>
-                      </a:schemeClr>
-                    </a:solidFill>
-                  </a:tcPr>
-                </a:tc>
-                <a:tc>
-                  <a:txBody>
-                    <a:bodyPr/>
-                    <a:lstStyle/>
-                    <a:p>
-                      <a:pPr algn="ctr"/>
-                      <a:endParaRPr lang="en-US"/>
-                    </a:p>
-                  </a:txBody>
-                  <a:tcPr>
-                    <a:lnL w="12700" cap="flat" cmpd="sng" algn="ctr">
-                      <a:solidFill>
-                        <a:schemeClr val="tx1"/>
-                      </a:solidFill>
-                      <a:prstDash val="solid"/>
-                      <a:round/>
-                      <a:headEnd type="none" w="med" len="med"/>
-                      <a:tailEnd type="none" w="med" len="med"/>
-                    </a:lnL>
-                    <a:lnR w="12700" cap="flat" cmpd="sng" algn="ctr">
-                      <a:solidFill>
-                        <a:schemeClr val="tx1"/>
-                      </a:solidFill>
-                      <a:prstDash val="solid"/>
-                      <a:round/>
-                      <a:headEnd type="none" w="med" len="med"/>
-                      <a:tailEnd type="none" w="med" len="med"/>
-                    </a:lnR>
-                    <a:lnT w="12700" cap="flat" cmpd="sng" algn="ctr">
-                      <a:solidFill>
-                        <a:schemeClr val="tx1"/>
-                      </a:solidFill>
-                      <a:prstDash val="solid"/>
-                      <a:round/>
-                      <a:headEnd type="none" w="med" len="med"/>
-                      <a:tailEnd type="none" w="med" len="med"/>
-                    </a:lnT>
-                    <a:lnB w="12700" cap="flat" cmpd="sng" algn="ctr">
-                      <a:solidFill>
-                        <a:schemeClr val="tx1"/>
-                      </a:solidFill>
-                      <a:prstDash val="solid"/>
-                      <a:round/>
-                      <a:headEnd type="none" w="med" len="med"/>
-                      <a:tailEnd type="none" w="med" len="med"/>
-                    </a:lnB>
-                    <a:lnTlToBr w="12700" cmpd="sng">
-                      <a:noFill/>
-                      <a:prstDash val="solid"/>
-                    </a:lnTlToBr>
-                    <a:lnBlToTr w="12700" cmpd="sng">
-                      <a:noFill/>
-                      <a:prstDash val="solid"/>
-                    </a:lnBlToTr>
-                    <a:solidFill>
-                      <a:schemeClr val="tx2">
-                        <a:lumMod val="20000"/>
-                        <a:lumOff val="80000"/>
-                      </a:schemeClr>
-                    </a:solidFill>
-                  </a:tcPr>
-                </a:tc>
-                <a:tc>
-                  <a:txBody>
-                    <a:bodyPr/>
-                    <a:lstStyle/>
-                    <a:p>
-                      <a:pPr algn="ctr"/>
-                      <a:endParaRPr lang="en-US" dirty="0"/>
-                    </a:p>
-                  </a:txBody>
-                  <a:tcPr>
-                    <a:lnL w="12700" cap="flat" cmpd="sng" algn="ctr">
-                      <a:solidFill>
-                        <a:schemeClr val="tx1"/>
-                      </a:solidFill>
-                      <a:prstDash val="solid"/>
-                      <a:round/>
-                      <a:headEnd type="none" w="med" len="med"/>
-                      <a:tailEnd type="none" w="med" len="med"/>
-                    </a:lnL>
-                    <a:lnR w="12700" cap="flat" cmpd="sng" algn="ctr">
-                      <a:solidFill>
-                        <a:schemeClr val="tx1"/>
-                      </a:solidFill>
-                      <a:prstDash val="solid"/>
-                      <a:round/>
-                      <a:headEnd type="none" w="med" len="med"/>
-                      <a:tailEnd type="none" w="med" len="med"/>
-                    </a:lnR>
-                    <a:lnT w="12700" cap="flat" cmpd="sng" algn="ctr">
-                      <a:solidFill>
-                        <a:schemeClr val="tx1"/>
-                      </a:solidFill>
-                      <a:prstDash val="solid"/>
-                      <a:round/>
-                      <a:headEnd type="none" w="med" len="med"/>
-                      <a:tailEnd type="none" w="med" len="med"/>
-                    </a:lnT>
-                    <a:lnB w="12700" cap="flat" cmpd="sng" algn="ctr">
-                      <a:solidFill>
-                        <a:schemeClr val="tx1"/>
-                      </a:solidFill>
-                      <a:prstDash val="solid"/>
-                      <a:round/>
-                      <a:headEnd type="none" w="med" len="med"/>
-                      <a:tailEnd type="none" w="med" len="med"/>
-                    </a:lnB>
-                    <a:lnTlToBr w="12700" cmpd="sng">
-                      <a:noFill/>
-                      <a:prstDash val="solid"/>
-                    </a:lnTlToBr>
-                    <a:lnBlToTr w="12700" cmpd="sng">
-                      <a:noFill/>
-                      <a:prstDash val="solid"/>
-                    </a:lnBlToTr>
-                    <a:solidFill>
-                      <a:schemeClr val="tx2">
-                        <a:lumMod val="20000"/>
-                        <a:lumOff val="80000"/>
-                      </a:schemeClr>
-                    </a:solidFill>
-                  </a:tcPr>
-                </a:tc>
-                <a:tc>
-                  <a:txBody>
-                    <a:bodyPr/>
-                    <a:lstStyle/>
-                    <a:p>
-                      <a:pPr algn="ctr"/>
-                      <a:endParaRPr lang="en-US"/>
-                    </a:p>
-                  </a:txBody>
-                  <a:tcPr>
-                    <a:lnL w="12700" cap="flat" cmpd="sng" algn="ctr">
-                      <a:solidFill>
-                        <a:schemeClr val="tx1"/>
-                      </a:solidFill>
-                      <a:prstDash val="solid"/>
-                      <a:round/>
-                      <a:headEnd type="none" w="med" len="med"/>
-                      <a:tailEnd type="none" w="med" len="med"/>
-                    </a:lnL>
-                    <a:lnR w="12700" cap="flat" cmpd="sng" algn="ctr">
-                      <a:solidFill>
-                        <a:schemeClr val="tx1"/>
-                      </a:solidFill>
-                      <a:prstDash val="solid"/>
-                      <a:round/>
-                      <a:headEnd type="none" w="med" len="med"/>
-                      <a:tailEnd type="none" w="med" len="med"/>
-                    </a:lnR>
-                    <a:lnT w="12700" cap="flat" cmpd="sng" algn="ctr">
-                      <a:solidFill>
-                        <a:schemeClr val="tx1"/>
-                      </a:solidFill>
-                      <a:prstDash val="solid"/>
-                      <a:round/>
-                      <a:headEnd type="none" w="med" len="med"/>
-                      <a:tailEnd type="none" w="med" len="med"/>
-                    </a:lnT>
-                    <a:lnB w="12700" cap="flat" cmpd="sng" algn="ctr">
-                      <a:solidFill>
-                        <a:schemeClr val="tx1"/>
-                      </a:solidFill>
-                      <a:prstDash val="solid"/>
-                      <a:round/>
-                      <a:headEnd type="none" w="med" len="med"/>
-                      <a:tailEnd type="none" w="med" len="med"/>
-                    </a:lnB>
-                    <a:lnTlToBr w="12700" cmpd="sng">
-                      <a:noFill/>
-                      <a:prstDash val="solid"/>
-                    </a:lnTlToBr>
-                    <a:lnBlToTr w="12700" cmpd="sng">
-                      <a:noFill/>
-                      <a:prstDash val="solid"/>
-                    </a:lnBlToTr>
-                    <a:solidFill>
-                      <a:schemeClr val="tx2">
-                        <a:lumMod val="20000"/>
-                        <a:lumOff val="80000"/>
-                      </a:schemeClr>
-                    </a:solidFill>
-                  </a:tcPr>
-                </a:tc>
-                <a:tc>
-                  <a:txBody>
-                    <a:bodyPr/>
-                    <a:lstStyle/>
-                    <a:p>
-                      <a:pPr algn="ctr"/>
-                      <a:endParaRPr lang="en-US" dirty="0"/>
-                    </a:p>
-                  </a:txBody>
-                  <a:tcPr>
-                    <a:lnL w="12700" cap="flat" cmpd="sng" algn="ctr">
-                      <a:solidFill>
-                        <a:schemeClr val="tx1"/>
-                      </a:solidFill>
-                      <a:prstDash val="solid"/>
-                      <a:round/>
-                      <a:headEnd type="none" w="med" len="med"/>
-                      <a:tailEnd type="none" w="med" len="med"/>
-                    </a:lnL>
-                    <a:lnR w="12700" cap="flat" cmpd="sng" algn="ctr">
-                      <a:solidFill>
-                        <a:schemeClr val="tx1"/>
-                      </a:solidFill>
-                      <a:prstDash val="solid"/>
-                      <a:round/>
-                      <a:headEnd type="none" w="med" len="med"/>
-                      <a:tailEnd type="none" w="med" len="med"/>
-                    </a:lnR>
-                    <a:lnT w="12700" cap="flat" cmpd="sng" algn="ctr">
-                      <a:solidFill>
-                        <a:schemeClr val="tx1"/>
-                      </a:solidFill>
-                      <a:prstDash val="solid"/>
-                      <a:round/>
-                      <a:headEnd type="none" w="med" len="med"/>
-                      <a:tailEnd type="none" w="med" len="med"/>
-                    </a:lnT>
-                    <a:lnB w="12700" cap="flat" cmpd="sng" algn="ctr">
-                      <a:solidFill>
-                        <a:schemeClr val="tx1"/>
-                      </a:solidFill>
-                      <a:prstDash val="solid"/>
-                      <a:round/>
-                      <a:headEnd type="none" w="med" len="med"/>
-                      <a:tailEnd type="none" w="med" len="med"/>
-                    </a:lnB>
-                    <a:lnTlToBr w="12700" cmpd="sng">
-                      <a:noFill/>
-                      <a:prstDash val="solid"/>
-                    </a:lnTlToBr>
-                    <a:lnBlToTr w="12700" cmpd="sng">
-                      <a:noFill/>
-                      <a:prstDash val="solid"/>
-                    </a:lnBlToTr>
-                    <a:solidFill>
-                      <a:schemeClr val="tx2">
-                        <a:lumMod val="20000"/>
-                        <a:lumOff val="80000"/>
-                      </a:schemeClr>
-                    </a:solidFill>
-                  </a:tcPr>
-                </a:tc>
-                <a:tc>
-                  <a:txBody>
-                    <a:bodyPr/>
-                    <a:lstStyle/>
-                    <a:p>
-                      <a:pPr algn="ctr"/>
-                      <a:endParaRPr lang="en-US" dirty="0"/>
-                    </a:p>
-                  </a:txBody>
-                  <a:tcPr>
-                    <a:lnL w="12700" cap="flat" cmpd="sng" algn="ctr">
-                      <a:solidFill>
-                        <a:schemeClr val="tx1"/>
-                      </a:solidFill>
-                      <a:prstDash val="solid"/>
-                      <a:round/>
-                      <a:headEnd type="none" w="med" len="med"/>
-                      <a:tailEnd type="none" w="med" len="med"/>
-                    </a:lnL>
-                    <a:lnR w="12700" cap="flat" cmpd="sng" algn="ctr">
-                      <a:solidFill>
-                        <a:schemeClr val="tx1"/>
-                      </a:solidFill>
-                      <a:prstDash val="solid"/>
-                      <a:round/>
-                      <a:headEnd type="none" w="med" len="med"/>
-                      <a:tailEnd type="none" w="med" len="med"/>
-                    </a:lnR>
-                    <a:lnT w="12700" cap="flat" cmpd="sng" algn="ctr">
-                      <a:solidFill>
-                        <a:schemeClr val="tx1"/>
-                      </a:solidFill>
-                      <a:prstDash val="solid"/>
-                      <a:round/>
-                      <a:headEnd type="none" w="med" len="med"/>
-                      <a:tailEnd type="none" w="med" len="med"/>
-                    </a:lnT>
-                    <a:lnB w="12700" cap="flat" cmpd="sng" algn="ctr">
-                      <a:solidFill>
-                        <a:schemeClr val="tx1"/>
-                      </a:solidFill>
-                      <a:prstDash val="solid"/>
-                      <a:round/>
-                      <a:headEnd type="none" w="med" len="med"/>
-                      <a:tailEnd type="none" w="med" len="med"/>
-                    </a:lnB>
-                    <a:lnTlToBr w="12700" cmpd="sng">
-                      <a:noFill/>
-                      <a:prstDash val="solid"/>
-                    </a:lnTlToBr>
-                    <a:lnBlToTr w="12700" cmpd="sng">
-                      <a:noFill/>
-                      <a:prstDash val="solid"/>
-                    </a:lnBlToTr>
-                    <a:solidFill>
-                      <a:schemeClr val="tx2">
-                        <a:lumMod val="20000"/>
-                        <a:lumOff val="80000"/>
-                      </a:schemeClr>
-                    </a:solidFill>
-                  </a:tcPr>
-                </a:tc>
-                <a:tc>
-                  <a:txBody>
-                    <a:bodyPr/>
-                    <a:lstStyle/>
-                    <a:p>
-                      <a:pPr algn="ctr"/>
-                      <a:endParaRPr lang="en-US" dirty="0"/>
-                    </a:p>
-                  </a:txBody>
-                  <a:tcPr>
-                    <a:lnL w="12700" cap="flat" cmpd="sng" algn="ctr">
-                      <a:solidFill>
-                        <a:schemeClr val="tx1"/>
-                      </a:solidFill>
-                      <a:prstDash val="solid"/>
-                      <a:round/>
-                      <a:headEnd type="none" w="med" len="med"/>
-                      <a:tailEnd type="none" w="med" len="med"/>
-                    </a:lnL>
-                    <a:lnR w="12700" cap="flat" cmpd="sng" algn="ctr">
-                      <a:solidFill>
-                        <a:schemeClr val="tx1"/>
-                      </a:solidFill>
-                      <a:prstDash val="solid"/>
-                      <a:round/>
-                      <a:headEnd type="none" w="med" len="med"/>
-                      <a:tailEnd type="none" w="med" len="med"/>
-                    </a:lnR>
-                    <a:lnT w="12700" cap="flat" cmpd="sng" algn="ctr">
-                      <a:solidFill>
-                        <a:schemeClr val="tx1"/>
-                      </a:solidFill>
-                      <a:prstDash val="solid"/>
-                      <a:round/>
-                      <a:headEnd type="none" w="med" len="med"/>
-                      <a:tailEnd type="none" w="med" len="med"/>
-                    </a:lnT>
-                    <a:lnB w="12700" cap="flat" cmpd="sng" algn="ctr">
-                      <a:solidFill>
-                        <a:schemeClr val="tx1"/>
-                      </a:solidFill>
-                      <a:prstDash val="solid"/>
-                      <a:round/>
-                      <a:headEnd type="none" w="med" len="med"/>
-                      <a:tailEnd type="none" w="med" len="med"/>
-                    </a:lnB>
-                    <a:lnTlToBr w="12700" cmpd="sng">
-                      <a:noFill/>
-                      <a:prstDash val="solid"/>
-                    </a:lnTlToBr>
-                    <a:lnBlToTr w="12700" cmpd="sng">
-                      <a:noFill/>
-                      <a:prstDash val="solid"/>
-                    </a:lnBlToTr>
-                    <a:solidFill>
-                      <a:schemeClr val="tx2">
-                        <a:lumMod val="20000"/>
-                        <a:lumOff val="80000"/>
-                      </a:schemeClr>
-                    </a:solidFill>
-                  </a:tcPr>
-                </a:tc>
-                <a:tc>
-                  <a:txBody>
-                    <a:bodyPr/>
-                    <a:lstStyle/>
-                    <a:p>
-                      <a:pPr algn="ctr"/>
-                      <a:endParaRPr lang="en-US" dirty="0"/>
-                    </a:p>
-                  </a:txBody>
-                  <a:tcPr>
-                    <a:lnL w="12700" cap="flat" cmpd="sng" algn="ctr">
-                      <a:solidFill>
-                        <a:schemeClr val="tx1"/>
-                      </a:solidFill>
-                      <a:prstDash val="solid"/>
-                      <a:round/>
-                      <a:headEnd type="none" w="med" len="med"/>
-                      <a:tailEnd type="none" w="med" len="med"/>
-                    </a:lnL>
-                    <a:lnR w="12700" cap="flat" cmpd="sng" algn="ctr">
-                      <a:solidFill>
-                        <a:schemeClr val="tx1"/>
-                      </a:solidFill>
-                      <a:prstDash val="solid"/>
-                      <a:round/>
-                      <a:headEnd type="none" w="med" len="med"/>
-                      <a:tailEnd type="none" w="med" len="med"/>
-                    </a:lnR>
-                    <a:lnT w="12700" cap="flat" cmpd="sng" algn="ctr">
-                      <a:solidFill>
-                        <a:schemeClr val="tx1"/>
-                      </a:solidFill>
-                      <a:prstDash val="solid"/>
-                      <a:round/>
-                      <a:headEnd type="none" w="med" len="med"/>
-                      <a:tailEnd type="none" w="med" len="med"/>
-                    </a:lnT>
-                    <a:lnB w="12700" cap="flat" cmpd="sng" algn="ctr">
-                      <a:solidFill>
-                        <a:schemeClr val="tx1"/>
-                      </a:solidFill>
-                      <a:prstDash val="solid"/>
-                      <a:round/>
-                      <a:headEnd type="none" w="med" len="med"/>
-                      <a:tailEnd type="none" w="med" len="med"/>
-                    </a:lnB>
-                    <a:lnTlToBr w="12700" cmpd="sng">
-                      <a:noFill/>
-                      <a:prstDash val="solid"/>
-                    </a:lnTlToBr>
-                    <a:lnBlToTr w="12700" cmpd="sng">
-                      <a:noFill/>
-                      <a:prstDash val="solid"/>
-                    </a:lnBlToTr>
-                    <a:solidFill>
-                      <a:schemeClr val="tx2">
-                        <a:lumMod val="20000"/>
-                        <a:lumOff val="80000"/>
-                      </a:schemeClr>
-                    </a:solidFill>
-                  </a:tcPr>
-                </a:tc>
-              </a:tr>
-              <a:tr h="361950">
-                <a:tc>
-                  <a:txBody>
-                    <a:bodyPr/>
-                    <a:lstStyle/>
-                    <a:p>
-                      <a:pPr algn="ctr"/>
-                      <a:endParaRPr lang="en-US" dirty="0"/>
-                    </a:p>
-                  </a:txBody>
-                  <a:tcPr>
-                    <a:lnL w="12700" cap="flat" cmpd="sng" algn="ctr">
-                      <a:solidFill>
-                        <a:schemeClr val="tx1"/>
-                      </a:solidFill>
-                      <a:prstDash val="solid"/>
-                      <a:round/>
-                      <a:headEnd type="none" w="med" len="med"/>
-                      <a:tailEnd type="none" w="med" len="med"/>
-                    </a:lnL>
-                    <a:lnR w="12700" cap="flat" cmpd="sng" algn="ctr">
-                      <a:solidFill>
-                        <a:schemeClr val="tx1"/>
-                      </a:solidFill>
-                      <a:prstDash val="solid"/>
-                      <a:round/>
-                      <a:headEnd type="none" w="med" len="med"/>
-                      <a:tailEnd type="none" w="med" len="med"/>
-                    </a:lnR>
-                    <a:lnT w="12700" cap="flat" cmpd="sng" algn="ctr">
-                      <a:solidFill>
-                        <a:schemeClr val="tx1"/>
-                      </a:solidFill>
-                      <a:prstDash val="solid"/>
-                      <a:round/>
-                      <a:headEnd type="none" w="med" len="med"/>
-                      <a:tailEnd type="none" w="med" len="med"/>
-                    </a:lnT>
-                    <a:lnB w="12700" cap="flat" cmpd="sng" algn="ctr">
-                      <a:solidFill>
-                        <a:schemeClr val="tx1"/>
-                      </a:solidFill>
-                      <a:prstDash val="solid"/>
-                      <a:round/>
-                      <a:headEnd type="none" w="med" len="med"/>
-                      <a:tailEnd type="none" w="med" len="med"/>
-                    </a:lnB>
-                    <a:lnTlToBr w="12700" cmpd="sng">
-                      <a:noFill/>
-                      <a:prstDash val="solid"/>
-                    </a:lnTlToBr>
-                    <a:lnBlToTr w="12700" cmpd="sng">
-                      <a:noFill/>
-                      <a:prstDash val="solid"/>
-                    </a:lnBlToTr>
-                    <a:solidFill>
-                      <a:schemeClr val="bg1">
-                        <a:lumMod val="85000"/>
-                      </a:schemeClr>
-                    </a:solidFill>
-                  </a:tcPr>
-                </a:tc>
-                <a:tc>
-                  <a:txBody>
-                    <a:bodyPr/>
-                    <a:lstStyle/>
-                    <a:p>
-                      <a:pPr algn="ctr"/>
-                      <a:endParaRPr lang="en-US" dirty="0"/>
-                    </a:p>
-                  </a:txBody>
-                  <a:tcPr>
-                    <a:lnL w="12700" cap="flat" cmpd="sng" algn="ctr">
-                      <a:solidFill>
-                        <a:schemeClr val="tx1"/>
-                      </a:solidFill>
-                      <a:prstDash val="solid"/>
-                      <a:round/>
-                      <a:headEnd type="none" w="med" len="med"/>
-                      <a:tailEnd type="none" w="med" len="med"/>
-                    </a:lnL>
-                    <a:lnR w="12700" cap="flat" cmpd="sng" algn="ctr">
-                      <a:solidFill>
-                        <a:schemeClr val="tx1"/>
-                      </a:solidFill>
-                      <a:prstDash val="solid"/>
-                      <a:round/>
-                      <a:headEnd type="none" w="med" len="med"/>
-                      <a:tailEnd type="none" w="med" len="med"/>
-                    </a:lnR>
-                    <a:lnT w="12700" cap="flat" cmpd="sng" algn="ctr">
-                      <a:solidFill>
-                        <a:schemeClr val="tx1"/>
-                      </a:solidFill>
-                      <a:prstDash val="solid"/>
-                      <a:round/>
-                      <a:headEnd type="none" w="med" len="med"/>
-                      <a:tailEnd type="none" w="med" len="med"/>
-                    </a:lnT>
-                    <a:lnB w="12700" cap="flat" cmpd="sng" algn="ctr">
-                      <a:solidFill>
-                        <a:schemeClr val="tx1"/>
-                      </a:solidFill>
-                      <a:prstDash val="solid"/>
-                      <a:round/>
-                      <a:headEnd type="none" w="med" len="med"/>
-                      <a:tailEnd type="none" w="med" len="med"/>
-                    </a:lnB>
-                    <a:lnTlToBr w="12700" cmpd="sng">
-                      <a:noFill/>
-                      <a:prstDash val="solid"/>
-                    </a:lnTlToBr>
-                    <a:lnBlToTr w="12700" cmpd="sng">
-                      <a:noFill/>
-                      <a:prstDash val="solid"/>
-                    </a:lnBlToTr>
-                    <a:solidFill>
-                      <a:schemeClr val="bg1">
-                        <a:lumMod val="85000"/>
-                      </a:schemeClr>
-                    </a:solidFill>
-                  </a:tcPr>
-                </a:tc>
-                <a:tc>
-                  <a:txBody>
-                    <a:bodyPr/>
-                    <a:lstStyle/>
-                    <a:p>
-                      <a:pPr algn="ctr"/>
-                      <a:endParaRPr lang="en-US" dirty="0"/>
-                    </a:p>
-                  </a:txBody>
-                  <a:tcPr>
-                    <a:lnL w="12700" cap="flat" cmpd="sng" algn="ctr">
-                      <a:solidFill>
-                        <a:schemeClr val="tx1"/>
-                      </a:solidFill>
-                      <a:prstDash val="solid"/>
-                      <a:round/>
-                      <a:headEnd type="none" w="med" len="med"/>
-                      <a:tailEnd type="none" w="med" len="med"/>
-                    </a:lnL>
-                    <a:lnR w="12700" cap="flat" cmpd="sng" algn="ctr">
-                      <a:solidFill>
-                        <a:schemeClr val="tx1"/>
-                      </a:solidFill>
-                      <a:prstDash val="solid"/>
-                      <a:round/>
-                      <a:headEnd type="none" w="med" len="med"/>
-                      <a:tailEnd type="none" w="med" len="med"/>
-                    </a:lnR>
-                    <a:lnT w="12700" cap="flat" cmpd="sng" algn="ctr">
-                      <a:solidFill>
-                        <a:schemeClr val="tx1"/>
-                      </a:solidFill>
-                      <a:prstDash val="solid"/>
-                      <a:round/>
-                      <a:headEnd type="none" w="med" len="med"/>
-                      <a:tailEnd type="none" w="med" len="med"/>
-                    </a:lnT>
-                    <a:lnB w="12700" cap="flat" cmpd="sng" algn="ctr">
-                      <a:solidFill>
-                        <a:schemeClr val="tx1"/>
-                      </a:solidFill>
-                      <a:prstDash val="solid"/>
-                      <a:round/>
-                      <a:headEnd type="none" w="med" len="med"/>
-                      <a:tailEnd type="none" w="med" len="med"/>
-                    </a:lnB>
-                    <a:lnTlToBr w="12700" cmpd="sng">
-                      <a:noFill/>
-                      <a:prstDash val="solid"/>
-                    </a:lnTlToBr>
-                    <a:lnBlToTr w="12700" cmpd="sng">
-                      <a:noFill/>
-                      <a:prstDash val="solid"/>
-                    </a:lnBlToTr>
-                    <a:solidFill>
-                      <a:schemeClr val="bg1">
-                        <a:lumMod val="85000"/>
-                      </a:schemeClr>
-                    </a:solidFill>
-                  </a:tcPr>
-                </a:tc>
-                <a:tc>
-                  <a:txBody>
-                    <a:bodyPr/>
-                    <a:lstStyle/>
-                    <a:p>
-                      <a:pPr algn="ctr"/>
-                      <a:endParaRPr lang="en-US" dirty="0"/>
-                    </a:p>
-                  </a:txBody>
-                  <a:tcPr>
-                    <a:lnL w="12700" cap="flat" cmpd="sng" algn="ctr">
-                      <a:solidFill>
-                        <a:schemeClr val="tx1"/>
-                      </a:solidFill>
-                      <a:prstDash val="solid"/>
-                      <a:round/>
-                      <a:headEnd type="none" w="med" len="med"/>
-                      <a:tailEnd type="none" w="med" len="med"/>
-                    </a:lnL>
-                    <a:lnR w="12700" cap="flat" cmpd="sng" algn="ctr">
-                      <a:solidFill>
-                        <a:schemeClr val="tx1"/>
-                      </a:solidFill>
-                      <a:prstDash val="solid"/>
-                      <a:round/>
-                      <a:headEnd type="none" w="med" len="med"/>
-                      <a:tailEnd type="none" w="med" len="med"/>
-                    </a:lnR>
-                    <a:lnT w="12700" cap="flat" cmpd="sng" algn="ctr">
-                      <a:solidFill>
-                        <a:schemeClr val="tx1"/>
-                      </a:solidFill>
-                      <a:prstDash val="solid"/>
-                      <a:round/>
-                      <a:headEnd type="none" w="med" len="med"/>
-                      <a:tailEnd type="none" w="med" len="med"/>
-                    </a:lnT>
-                    <a:lnB w="12700" cap="flat" cmpd="sng" algn="ctr">
-                      <a:solidFill>
-                        <a:schemeClr val="tx1"/>
-                      </a:solidFill>
-                      <a:prstDash val="solid"/>
-                      <a:round/>
-                      <a:headEnd type="none" w="med" len="med"/>
-                      <a:tailEnd type="none" w="med" len="med"/>
-                    </a:lnB>
-                    <a:lnTlToBr w="12700" cmpd="sng">
-                      <a:noFill/>
-                      <a:prstDash val="solid"/>
-                    </a:lnTlToBr>
-                    <a:lnBlToTr w="12700" cmpd="sng">
-                      <a:noFill/>
-                      <a:prstDash val="solid"/>
-                    </a:lnBlToTr>
-                    <a:solidFill>
-                      <a:schemeClr val="bg1">
-                        <a:lumMod val="85000"/>
-                      </a:schemeClr>
-                    </a:solidFill>
-                  </a:tcPr>
-                </a:tc>
-                <a:tc>
-                  <a:txBody>
-                    <a:bodyPr/>
-                    <a:lstStyle/>
-                    <a:p>
-                      <a:pPr algn="ctr"/>
-                      <a:endParaRPr lang="en-US" dirty="0"/>
-                    </a:p>
-                  </a:txBody>
-                  <a:tcPr>
-                    <a:lnL w="12700" cap="flat" cmpd="sng" algn="ctr">
-                      <a:solidFill>
-                        <a:schemeClr val="tx1"/>
-                      </a:solidFill>
-                      <a:prstDash val="solid"/>
-                      <a:round/>
-                      <a:headEnd type="none" w="med" len="med"/>
-                      <a:tailEnd type="none" w="med" len="med"/>
-                    </a:lnL>
-                    <a:lnR w="12700" cap="flat" cmpd="sng" algn="ctr">
-                      <a:solidFill>
-                        <a:schemeClr val="tx1"/>
-                      </a:solidFill>
-                      <a:prstDash val="solid"/>
-                      <a:round/>
-                      <a:headEnd type="none" w="med" len="med"/>
-                      <a:tailEnd type="none" w="med" len="med"/>
-                    </a:lnR>
-                    <a:lnT w="12700" cap="flat" cmpd="sng" algn="ctr">
-                      <a:solidFill>
-                        <a:schemeClr val="tx1"/>
-                      </a:solidFill>
-                      <a:prstDash val="solid"/>
-                      <a:round/>
-                      <a:headEnd type="none" w="med" len="med"/>
-                      <a:tailEnd type="none" w="med" len="med"/>
-                    </a:lnT>
-                    <a:lnB w="12700" cap="flat" cmpd="sng" algn="ctr">
-                      <a:solidFill>
-                        <a:schemeClr val="tx1"/>
-                      </a:solidFill>
-                      <a:prstDash val="solid"/>
-                      <a:round/>
-                      <a:headEnd type="none" w="med" len="med"/>
-                      <a:tailEnd type="none" w="med" len="med"/>
-                    </a:lnB>
-                    <a:lnTlToBr w="12700" cmpd="sng">
-                      <a:noFill/>
-                      <a:prstDash val="solid"/>
-                    </a:lnTlToBr>
-                    <a:lnBlToTr w="12700" cmpd="sng">
-                      <a:noFill/>
-                      <a:prstDash val="solid"/>
-                    </a:lnBlToTr>
-                    <a:solidFill>
-                      <a:schemeClr val="bg1">
-                        <a:lumMod val="85000"/>
-                      </a:schemeClr>
-                    </a:solidFill>
-                  </a:tcPr>
-                </a:tc>
-                <a:tc>
-                  <a:txBody>
-                    <a:bodyPr/>
-                    <a:lstStyle/>
-                    <a:p>
-                      <a:pPr algn="ctr"/>
-                      <a:endParaRPr lang="en-US" dirty="0"/>
-                    </a:p>
-                  </a:txBody>
-                  <a:tcPr>
-                    <a:lnL w="12700" cap="flat" cmpd="sng" algn="ctr">
-                      <a:solidFill>
-                        <a:schemeClr val="tx1"/>
-                      </a:solidFill>
-                      <a:prstDash val="solid"/>
-                      <a:round/>
-                      <a:headEnd type="none" w="med" len="med"/>
-                      <a:tailEnd type="none" w="med" len="med"/>
-                    </a:lnL>
-                    <a:lnR w="12700" cap="flat" cmpd="sng" algn="ctr">
-                      <a:solidFill>
-                        <a:schemeClr val="tx1"/>
-                      </a:solidFill>
-                      <a:prstDash val="solid"/>
-                      <a:round/>
-                      <a:headEnd type="none" w="med" len="med"/>
-                      <a:tailEnd type="none" w="med" len="med"/>
-                    </a:lnR>
-                    <a:lnT w="12700" cap="flat" cmpd="sng" algn="ctr">
-                      <a:solidFill>
-                        <a:schemeClr val="tx1"/>
-                      </a:solidFill>
-                      <a:prstDash val="solid"/>
-                      <a:round/>
-                      <a:headEnd type="none" w="med" len="med"/>
-                      <a:tailEnd type="none" w="med" len="med"/>
-                    </a:lnT>
-                    <a:lnB w="12700" cap="flat" cmpd="sng" algn="ctr">
-                      <a:solidFill>
-                        <a:schemeClr val="tx1"/>
-                      </a:solidFill>
-                      <a:prstDash val="solid"/>
-                      <a:round/>
-                      <a:headEnd type="none" w="med" len="med"/>
-                      <a:tailEnd type="none" w="med" len="med"/>
-                    </a:lnB>
-                    <a:lnTlToBr w="12700" cmpd="sng">
-                      <a:noFill/>
-                      <a:prstDash val="solid"/>
-                    </a:lnTlToBr>
-                    <a:lnBlToTr w="12700" cmpd="sng">
-                      <a:noFill/>
-                      <a:prstDash val="solid"/>
-                    </a:lnBlToTr>
-                    <a:solidFill>
-                      <a:schemeClr val="bg1">
-                        <a:lumMod val="85000"/>
-                      </a:schemeClr>
-                    </a:solidFill>
-                  </a:tcPr>
-                </a:tc>
-                <a:tc>
-                  <a:txBody>
-                    <a:bodyPr/>
-                    <a:lstStyle/>
-                    <a:p>
-                      <a:pPr algn="ctr"/>
-                      <a:endParaRPr lang="en-US" dirty="0"/>
-                    </a:p>
-                  </a:txBody>
-                  <a:tcPr>
-                    <a:lnL w="12700" cap="flat" cmpd="sng" algn="ctr">
-                      <a:solidFill>
-                        <a:schemeClr val="tx1"/>
-                      </a:solidFill>
-                      <a:prstDash val="solid"/>
-                      <a:round/>
-                      <a:headEnd type="none" w="med" len="med"/>
-                      <a:tailEnd type="none" w="med" len="med"/>
-                    </a:lnL>
-                    <a:lnR w="12700" cap="flat" cmpd="sng" algn="ctr">
-                      <a:solidFill>
-                        <a:schemeClr val="tx1"/>
-                      </a:solidFill>
-                      <a:prstDash val="solid"/>
-                      <a:round/>
-                      <a:headEnd type="none" w="med" len="med"/>
-                      <a:tailEnd type="none" w="med" len="med"/>
-                    </a:lnR>
-                    <a:lnT w="12700" cap="flat" cmpd="sng" algn="ctr">
-                      <a:solidFill>
-                        <a:schemeClr val="tx1"/>
-                      </a:solidFill>
-                      <a:prstDash val="solid"/>
-                      <a:round/>
-                      <a:headEnd type="none" w="med" len="med"/>
-                      <a:tailEnd type="none" w="med" len="med"/>
-                    </a:lnT>
-                    <a:lnB w="12700" cap="flat" cmpd="sng" algn="ctr">
-                      <a:solidFill>
-                        <a:schemeClr val="tx1"/>
-                      </a:solidFill>
-                      <a:prstDash val="solid"/>
-                      <a:round/>
-                      <a:headEnd type="none" w="med" len="med"/>
-                      <a:tailEnd type="none" w="med" len="med"/>
-                    </a:lnB>
-                    <a:lnTlToBr w="12700" cmpd="sng">
-                      <a:noFill/>
-                      <a:prstDash val="solid"/>
-                    </a:lnTlToBr>
-                    <a:lnBlToTr w="12700" cmpd="sng">
-                      <a:noFill/>
-                      <a:prstDash val="solid"/>
-                    </a:lnBlToTr>
-                    <a:solidFill>
-                      <a:schemeClr val="bg1">
-                        <a:lumMod val="85000"/>
-                      </a:schemeClr>
-                    </a:solidFill>
-                  </a:tcPr>
-                </a:tc>
-                <a:tc>
-                  <a:txBody>
-                    <a:bodyPr/>
-                    <a:lstStyle/>
-                    <a:p>
-                      <a:pPr algn="ctr"/>
-                      <a:endParaRPr lang="en-US" dirty="0"/>
-                    </a:p>
-                  </a:txBody>
-                  <a:tcPr>
-                    <a:lnL w="12700" cap="flat" cmpd="sng" algn="ctr">
-                      <a:solidFill>
-                        <a:schemeClr val="tx1"/>
-                      </a:solidFill>
-                      <a:prstDash val="solid"/>
-                      <a:round/>
-                      <a:headEnd type="none" w="med" len="med"/>
-                      <a:tailEnd type="none" w="med" len="med"/>
-                    </a:lnL>
-                    <a:lnR w="12700" cap="flat" cmpd="sng" algn="ctr">
-                      <a:solidFill>
-                        <a:schemeClr val="tx1"/>
-                      </a:solidFill>
-                      <a:prstDash val="solid"/>
-                      <a:round/>
-                      <a:headEnd type="none" w="med" len="med"/>
-                      <a:tailEnd type="none" w="med" len="med"/>
-                    </a:lnR>
-                    <a:lnT w="12700" cap="flat" cmpd="sng" algn="ctr">
-                      <a:solidFill>
-                        <a:schemeClr val="tx1"/>
-                      </a:solidFill>
-                      <a:prstDash val="solid"/>
-                      <a:round/>
-                      <a:headEnd type="none" w="med" len="med"/>
-                      <a:tailEnd type="none" w="med" len="med"/>
-                    </a:lnT>
-                    <a:lnB w="12700" cap="flat" cmpd="sng" algn="ctr">
-                      <a:solidFill>
-                        <a:schemeClr val="tx1"/>
-                      </a:solidFill>
-                      <a:prstDash val="solid"/>
-                      <a:round/>
-                      <a:headEnd type="none" w="med" len="med"/>
-                      <a:tailEnd type="none" w="med" len="med"/>
-                    </a:lnB>
-                    <a:lnTlToBr w="12700" cmpd="sng">
-                      <a:noFill/>
-                      <a:prstDash val="solid"/>
-                    </a:lnTlToBr>
-                    <a:lnBlToTr w="12700" cmpd="sng">
-                      <a:noFill/>
-                      <a:prstDash val="solid"/>
-                    </a:lnBlToTr>
-                    <a:solidFill>
-                      <a:schemeClr val="bg1">
-                        <a:lumMod val="85000"/>
-                      </a:schemeClr>
-                    </a:solidFill>
-                  </a:tcPr>
-                </a:tc>
-              </a:tr>
-              <a:tr h="361950">
-                <a:tc>
-                  <a:txBody>
-                    <a:bodyPr/>
-                    <a:lstStyle/>
-                    <a:p>
-                      <a:pPr algn="ctr"/>
-                      <a:endParaRPr lang="en-US" dirty="0"/>
-                    </a:p>
-                  </a:txBody>
-                  <a:tcPr>
-                    <a:lnL w="12700" cap="flat" cmpd="sng" algn="ctr">
-                      <a:solidFill>
-                        <a:schemeClr val="tx1"/>
-                      </a:solidFill>
-                      <a:prstDash val="solid"/>
-                      <a:round/>
-                      <a:headEnd type="none" w="med" len="med"/>
-                      <a:tailEnd type="none" w="med" len="med"/>
-                    </a:lnL>
-                    <a:lnR w="12700" cap="flat" cmpd="sng" algn="ctr">
-                      <a:solidFill>
-                        <a:schemeClr val="tx1"/>
-                      </a:solidFill>
-                      <a:prstDash val="solid"/>
-                      <a:round/>
-                      <a:headEnd type="none" w="med" len="med"/>
-                      <a:tailEnd type="none" w="med" len="med"/>
-                    </a:lnR>
-                    <a:lnT w="12700" cap="flat" cmpd="sng" algn="ctr">
-                      <a:solidFill>
-                        <a:schemeClr val="tx1"/>
-                      </a:solidFill>
-                      <a:prstDash val="solid"/>
-                      <a:round/>
-                      <a:headEnd type="none" w="med" len="med"/>
-                      <a:tailEnd type="none" w="med" len="med"/>
-                    </a:lnT>
-                    <a:lnB w="12700" cap="flat" cmpd="sng" algn="ctr">
-                      <a:solidFill>
-                        <a:schemeClr val="tx1"/>
-                      </a:solidFill>
-                      <a:prstDash val="solid"/>
-                      <a:round/>
-                      <a:headEnd type="none" w="med" len="med"/>
-                      <a:tailEnd type="none" w="med" len="med"/>
-                    </a:lnB>
-                    <a:lnTlToBr w="12700" cmpd="sng">
-                      <a:noFill/>
-                      <a:prstDash val="solid"/>
-                    </a:lnTlToBr>
-                    <a:lnBlToTr w="12700" cmpd="sng">
-                      <a:noFill/>
-                      <a:prstDash val="solid"/>
-                    </a:lnBlToTr>
-                    <a:solidFill>
-                      <a:schemeClr val="tx2">
-                        <a:lumMod val="20000"/>
-                        <a:lumOff val="80000"/>
-                      </a:schemeClr>
-                    </a:solidFill>
-                  </a:tcPr>
-                </a:tc>
-                <a:tc>
-                  <a:txBody>
-                    <a:bodyPr/>
-                    <a:lstStyle/>
-                    <a:p>
-                      <a:pPr algn="ctr"/>
-                      <a:endParaRPr lang="en-US"/>
-                    </a:p>
-                  </a:txBody>
-                  <a:tcPr>
-                    <a:lnL w="12700" cap="flat" cmpd="sng" algn="ctr">
-                      <a:solidFill>
-                        <a:schemeClr val="tx1"/>
-                      </a:solidFill>
-                      <a:prstDash val="solid"/>
-                      <a:round/>
-                      <a:headEnd type="none" w="med" len="med"/>
-                      <a:tailEnd type="none" w="med" len="med"/>
-                    </a:lnL>
-                    <a:lnR w="12700" cap="flat" cmpd="sng" algn="ctr">
-                      <a:solidFill>
-                        <a:schemeClr val="tx1"/>
-                      </a:solidFill>
-                      <a:prstDash val="solid"/>
-                      <a:round/>
-                      <a:headEnd type="none" w="med" len="med"/>
-                      <a:tailEnd type="none" w="med" len="med"/>
-                    </a:lnR>
-                    <a:lnT w="12700" cap="flat" cmpd="sng" algn="ctr">
-                      <a:solidFill>
-                        <a:schemeClr val="tx1"/>
-                      </a:solidFill>
-                      <a:prstDash val="solid"/>
-                      <a:round/>
-                      <a:headEnd type="none" w="med" len="med"/>
-                      <a:tailEnd type="none" w="med" len="med"/>
-                    </a:lnT>
-                    <a:lnB w="12700" cap="flat" cmpd="sng" algn="ctr">
-                      <a:solidFill>
-                        <a:schemeClr val="tx1"/>
-                      </a:solidFill>
-                      <a:prstDash val="solid"/>
-                      <a:round/>
-                      <a:headEnd type="none" w="med" len="med"/>
-                      <a:tailEnd type="none" w="med" len="med"/>
-                    </a:lnB>
-                    <a:lnTlToBr w="12700" cmpd="sng">
-                      <a:noFill/>
-                      <a:prstDash val="solid"/>
-                    </a:lnTlToBr>
-                    <a:lnBlToTr w="12700" cmpd="sng">
-                      <a:noFill/>
-                      <a:prstDash val="solid"/>
-                    </a:lnBlToTr>
-                    <a:solidFill>
-                      <a:schemeClr val="tx2">
-                        <a:lumMod val="20000"/>
-                        <a:lumOff val="80000"/>
-                      </a:schemeClr>
-                    </a:solidFill>
-                  </a:tcPr>
-                </a:tc>
-                <a:tc>
-                  <a:txBody>
-                    <a:bodyPr/>
-                    <a:lstStyle/>
-                    <a:p>
-                      <a:pPr algn="ctr"/>
-                      <a:endParaRPr lang="en-US" dirty="0"/>
-                    </a:p>
-                  </a:txBody>
-                  <a:tcPr>
-                    <a:lnL w="12700" cap="flat" cmpd="sng" algn="ctr">
-                      <a:solidFill>
-                        <a:schemeClr val="tx1"/>
-                      </a:solidFill>
-                      <a:prstDash val="solid"/>
-                      <a:round/>
-                      <a:headEnd type="none" w="med" len="med"/>
-                      <a:tailEnd type="none" w="med" len="med"/>
-                    </a:lnL>
-                    <a:lnR w="12700" cap="flat" cmpd="sng" algn="ctr">
-                      <a:solidFill>
-                        <a:schemeClr val="tx1"/>
-                      </a:solidFill>
-                      <a:prstDash val="solid"/>
-                      <a:round/>
-                      <a:headEnd type="none" w="med" len="med"/>
-                      <a:tailEnd type="none" w="med" len="med"/>
-                    </a:lnR>
-                    <a:lnT w="12700" cap="flat" cmpd="sng" algn="ctr">
-                      <a:solidFill>
-                        <a:schemeClr val="tx1"/>
-                      </a:solidFill>
-                      <a:prstDash val="solid"/>
-                      <a:round/>
-                      <a:headEnd type="none" w="med" len="med"/>
-                      <a:tailEnd type="none" w="med" len="med"/>
-                    </a:lnT>
-                    <a:lnB w="12700" cap="flat" cmpd="sng" algn="ctr">
-                      <a:solidFill>
-                        <a:schemeClr val="tx1"/>
-                      </a:solidFill>
-                      <a:prstDash val="solid"/>
-                      <a:round/>
-                      <a:headEnd type="none" w="med" len="med"/>
-                      <a:tailEnd type="none" w="med" len="med"/>
-                    </a:lnB>
-                    <a:lnTlToBr w="12700" cmpd="sng">
-                      <a:noFill/>
-                      <a:prstDash val="solid"/>
-                    </a:lnTlToBr>
-                    <a:lnBlToTr w="12700" cmpd="sng">
-                      <a:noFill/>
-                      <a:prstDash val="solid"/>
-                    </a:lnBlToTr>
-                    <a:solidFill>
-                      <a:schemeClr val="tx2">
-                        <a:lumMod val="20000"/>
-                        <a:lumOff val="80000"/>
-                      </a:schemeClr>
-                    </a:solidFill>
-                  </a:tcPr>
-                </a:tc>
-                <a:tc>
-                  <a:txBody>
-                    <a:bodyPr/>
-                    <a:lstStyle/>
-                    <a:p>
-                      <a:pPr algn="ctr"/>
-                      <a:endParaRPr lang="en-US"/>
-                    </a:p>
-                  </a:txBody>
-                  <a:tcPr>
-                    <a:lnL w="12700" cap="flat" cmpd="sng" algn="ctr">
-                      <a:solidFill>
-                        <a:schemeClr val="tx1"/>
-                      </a:solidFill>
-                      <a:prstDash val="solid"/>
-                      <a:round/>
-                      <a:headEnd type="none" w="med" len="med"/>
-                      <a:tailEnd type="none" w="med" len="med"/>
-                    </a:lnL>
-                    <a:lnR w="12700" cap="flat" cmpd="sng" algn="ctr">
-                      <a:solidFill>
-                        <a:schemeClr val="tx1"/>
-                      </a:solidFill>
-                      <a:prstDash val="solid"/>
-                      <a:round/>
-                      <a:headEnd type="none" w="med" len="med"/>
-                      <a:tailEnd type="none" w="med" len="med"/>
-                    </a:lnR>
-                    <a:lnT w="12700" cap="flat" cmpd="sng" algn="ctr">
-                      <a:solidFill>
-                        <a:schemeClr val="tx1"/>
-                      </a:solidFill>
-                      <a:prstDash val="solid"/>
-                      <a:round/>
-                      <a:headEnd type="none" w="med" len="med"/>
-                      <a:tailEnd type="none" w="med" len="med"/>
-                    </a:lnT>
-                    <a:lnB w="12700" cap="flat" cmpd="sng" algn="ctr">
-                      <a:solidFill>
-                        <a:schemeClr val="tx1"/>
-                      </a:solidFill>
-                      <a:prstDash val="solid"/>
-                      <a:round/>
-                      <a:headEnd type="none" w="med" len="med"/>
-                      <a:tailEnd type="none" w="med" len="med"/>
-                    </a:lnB>
-                    <a:lnTlToBr w="12700" cmpd="sng">
-                      <a:noFill/>
-                      <a:prstDash val="solid"/>
-                    </a:lnTlToBr>
-                    <a:lnBlToTr w="12700" cmpd="sng">
-                      <a:noFill/>
-                      <a:prstDash val="solid"/>
-                    </a:lnBlToTr>
-                    <a:solidFill>
-                      <a:schemeClr val="tx2">
-                        <a:lumMod val="20000"/>
-                        <a:lumOff val="80000"/>
-                      </a:schemeClr>
-                    </a:solidFill>
-                  </a:tcPr>
-                </a:tc>
-                <a:tc>
-                  <a:txBody>
-                    <a:bodyPr/>
-                    <a:lstStyle/>
-                    <a:p>
-                      <a:pPr algn="ctr"/>
-                      <a:endParaRPr lang="en-US"/>
-                    </a:p>
-                  </a:txBody>
-                  <a:tcPr>
-                    <a:lnL w="12700" cap="flat" cmpd="sng" algn="ctr">
-                      <a:solidFill>
-                        <a:schemeClr val="tx1"/>
-                      </a:solidFill>
-                      <a:prstDash val="solid"/>
-                      <a:round/>
-                      <a:headEnd type="none" w="med" len="med"/>
-                      <a:tailEnd type="none" w="med" len="med"/>
-                    </a:lnL>
-                    <a:lnR w="12700" cap="flat" cmpd="sng" algn="ctr">
-                      <a:solidFill>
-                        <a:schemeClr val="tx1"/>
-                      </a:solidFill>
-                      <a:prstDash val="solid"/>
-                      <a:round/>
-                      <a:headEnd type="none" w="med" len="med"/>
-                      <a:tailEnd type="none" w="med" len="med"/>
-                    </a:lnR>
-                    <a:lnT w="12700" cap="flat" cmpd="sng" algn="ctr">
-                      <a:solidFill>
-                        <a:schemeClr val="tx1"/>
-                      </a:solidFill>
-                      <a:prstDash val="solid"/>
-                      <a:round/>
-                      <a:headEnd type="none" w="med" len="med"/>
-                      <a:tailEnd type="none" w="med" len="med"/>
-                    </a:lnT>
-                    <a:lnB w="12700" cap="flat" cmpd="sng" algn="ctr">
-                      <a:solidFill>
-                        <a:schemeClr val="tx1"/>
-                      </a:solidFill>
-                      <a:prstDash val="solid"/>
-                      <a:round/>
-                      <a:headEnd type="none" w="med" len="med"/>
-                      <a:tailEnd type="none" w="med" len="med"/>
-                    </a:lnB>
-                    <a:lnTlToBr w="12700" cmpd="sng">
-                      <a:noFill/>
-                      <a:prstDash val="solid"/>
-                    </a:lnTlToBr>
-                    <a:lnBlToTr w="12700" cmpd="sng">
-                      <a:noFill/>
-                      <a:prstDash val="solid"/>
-                    </a:lnBlToTr>
-                    <a:solidFill>
-                      <a:schemeClr val="tx2">
-                        <a:lumMod val="20000"/>
-                        <a:lumOff val="80000"/>
-                      </a:schemeClr>
-                    </a:solidFill>
-                  </a:tcPr>
-                </a:tc>
-                <a:tc>
-                  <a:txBody>
-                    <a:bodyPr/>
-                    <a:lstStyle/>
-                    <a:p>
-                      <a:pPr algn="ctr"/>
-                      <a:endParaRPr lang="en-US"/>
-                    </a:p>
-                  </a:txBody>
-                  <a:tcPr>
-                    <a:lnL w="12700" cap="flat" cmpd="sng" algn="ctr">
-                      <a:solidFill>
-                        <a:schemeClr val="tx1"/>
-                      </a:solidFill>
-                      <a:prstDash val="solid"/>
-                      <a:round/>
-                      <a:headEnd type="none" w="med" len="med"/>
-                      <a:tailEnd type="none" w="med" len="med"/>
-                    </a:lnL>
-                    <a:lnR w="12700" cap="flat" cmpd="sng" algn="ctr">
-                      <a:solidFill>
-                        <a:schemeClr val="tx1"/>
-                      </a:solidFill>
-                      <a:prstDash val="solid"/>
-                      <a:round/>
-                      <a:headEnd type="none" w="med" len="med"/>
-                      <a:tailEnd type="none" w="med" len="med"/>
-                    </a:lnR>
-                    <a:lnT w="12700" cap="flat" cmpd="sng" algn="ctr">
-                      <a:solidFill>
-                        <a:schemeClr val="tx1"/>
-                      </a:solidFill>
-                      <a:prstDash val="solid"/>
-                      <a:round/>
-                      <a:headEnd type="none" w="med" len="med"/>
-                      <a:tailEnd type="none" w="med" len="med"/>
-                    </a:lnT>
-                    <a:lnB w="12700" cap="flat" cmpd="sng" algn="ctr">
-                      <a:solidFill>
-                        <a:schemeClr val="tx1"/>
-                      </a:solidFill>
-                      <a:prstDash val="solid"/>
-                      <a:round/>
-                      <a:headEnd type="none" w="med" len="med"/>
-                      <a:tailEnd type="none" w="med" len="med"/>
-                    </a:lnB>
-                    <a:lnTlToBr w="12700" cmpd="sng">
-                      <a:noFill/>
-                      <a:prstDash val="solid"/>
-                    </a:lnTlToBr>
-                    <a:lnBlToTr w="12700" cmpd="sng">
-                      <a:noFill/>
-                      <a:prstDash val="solid"/>
-                    </a:lnBlToTr>
-                    <a:solidFill>
-                      <a:schemeClr val="tx2">
-                        <a:lumMod val="20000"/>
-                        <a:lumOff val="80000"/>
-                      </a:schemeClr>
-                    </a:solidFill>
-                  </a:tcPr>
-                </a:tc>
-                <a:tc>
-                  <a:txBody>
-                    <a:bodyPr/>
-                    <a:lstStyle/>
-                    <a:p>
-                      <a:pPr algn="ctr"/>
-                      <a:endParaRPr lang="en-US"/>
-                    </a:p>
-                  </a:txBody>
-                  <a:tcPr>
-                    <a:lnL w="12700" cap="flat" cmpd="sng" algn="ctr">
-                      <a:solidFill>
-                        <a:schemeClr val="tx1"/>
-                      </a:solidFill>
-                      <a:prstDash val="solid"/>
-                      <a:round/>
-                      <a:headEnd type="none" w="med" len="med"/>
-                      <a:tailEnd type="none" w="med" len="med"/>
-                    </a:lnL>
-                    <a:lnR w="12700" cap="flat" cmpd="sng" algn="ctr">
-                      <a:solidFill>
-                        <a:schemeClr val="tx1"/>
-                      </a:solidFill>
-                      <a:prstDash val="solid"/>
-                      <a:round/>
-                      <a:headEnd type="none" w="med" len="med"/>
-                      <a:tailEnd type="none" w="med" len="med"/>
-                    </a:lnR>
-                    <a:lnT w="12700" cap="flat" cmpd="sng" algn="ctr">
-                      <a:solidFill>
-                        <a:schemeClr val="tx1"/>
-                      </a:solidFill>
-                      <a:prstDash val="solid"/>
-                      <a:round/>
-                      <a:headEnd type="none" w="med" len="med"/>
-                      <a:tailEnd type="none" w="med" len="med"/>
-                    </a:lnT>
-                    <a:lnB w="12700" cap="flat" cmpd="sng" algn="ctr">
-                      <a:solidFill>
-                        <a:schemeClr val="tx1"/>
-                      </a:solidFill>
-                      <a:prstDash val="solid"/>
-                      <a:round/>
-                      <a:headEnd type="none" w="med" len="med"/>
-                      <a:tailEnd type="none" w="med" len="med"/>
-                    </a:lnB>
-                    <a:lnTlToBr w="12700" cmpd="sng">
-                      <a:noFill/>
-                      <a:prstDash val="solid"/>
-                    </a:lnTlToBr>
-                    <a:lnBlToTr w="12700" cmpd="sng">
-                      <a:noFill/>
-                      <a:prstDash val="solid"/>
-                    </a:lnBlToTr>
-                    <a:solidFill>
-                      <a:schemeClr val="tx2">
-                        <a:lumMod val="20000"/>
-                        <a:lumOff val="80000"/>
-                      </a:schemeClr>
-                    </a:solidFill>
-                  </a:tcPr>
-                </a:tc>
-                <a:tc>
-                  <a:txBody>
-                    <a:bodyPr/>
-                    <a:lstStyle/>
-                    <a:p>
-                      <a:pPr algn="ctr"/>
-                      <a:endParaRPr lang="en-US" dirty="0"/>
+                      <a:pPr marL="0" marR="0" indent="0" algn="ctr" defTabSz="914400" rtl="0" eaLnBrk="1" fontAlgn="auto" latinLnBrk="0" hangingPunct="1">
+                        <a:lnSpc>
+                          <a:spcPct val="100000"/>
+                        </a:lnSpc>
+                        <a:spcBef>
+                          <a:spcPts val="0"/>
+                        </a:spcBef>
+                        <a:spcAft>
+                          <a:spcPts val="0"/>
+                        </a:spcAft>
+                        <a:buClrTx/>
+                        <a:buSzTx/>
+                        <a:buFontTx/>
+                        <a:buNone/>
+                        <a:tabLst/>
+                        <a:defRPr/>
+                      </a:pPr>
+                      <a:r>
+                        <a:rPr lang="en-US" sz="1300" dirty="0" smtClean="0"/>
+                        <a:t>Word8</a:t>
+                      </a:r>
                     </a:p>
                   </a:txBody>
                   <a:tcPr>
@@ -5384,1031 +5336,16 @@
           </a:graphicData>
         </a:graphic>
       </p:graphicFrame>
-      <p:cxnSp>
-        <p:nvCxnSpPr>
-          <p:cNvPr id="16" name="Straight Arrow Connector 15"/>
-          <p:cNvCxnSpPr/>
-          <p:nvPr/>
-        </p:nvCxnSpPr>
-        <p:spPr>
-          <a:xfrm>
-            <a:off x="3505200" y="2819400"/>
-            <a:ext cx="0" cy="533400"/>
-          </a:xfrm>
-          <a:prstGeom prst="straightConnector1">
-            <a:avLst/>
-          </a:prstGeom>
-          <a:ln>
-            <a:tailEnd type="arrow"/>
-          </a:ln>
-        </p:spPr>
-        <p:style>
-          <a:lnRef idx="1">
-            <a:schemeClr val="accent1"/>
-          </a:lnRef>
-          <a:fillRef idx="0">
-            <a:schemeClr val="accent1"/>
-          </a:fillRef>
-          <a:effectRef idx="0">
-            <a:schemeClr val="accent1"/>
-          </a:effectRef>
-          <a:fontRef idx="minor">
-            <a:schemeClr val="tx1"/>
-          </a:fontRef>
-        </p:style>
-      </p:cxnSp>
-      <p:cxnSp>
-        <p:nvCxnSpPr>
-          <p:cNvPr id="20" name="Straight Arrow Connector 19"/>
-          <p:cNvCxnSpPr/>
-          <p:nvPr/>
-        </p:nvCxnSpPr>
-        <p:spPr>
-          <a:xfrm>
-            <a:off x="4191000" y="2819400"/>
-            <a:ext cx="0" cy="533400"/>
-          </a:xfrm>
-          <a:prstGeom prst="straightConnector1">
-            <a:avLst/>
-          </a:prstGeom>
-          <a:ln>
-            <a:tailEnd type="arrow"/>
-          </a:ln>
-        </p:spPr>
-        <p:style>
-          <a:lnRef idx="1">
-            <a:schemeClr val="accent1"/>
-          </a:lnRef>
-          <a:fillRef idx="0">
-            <a:schemeClr val="accent1"/>
-          </a:fillRef>
-          <a:effectRef idx="0">
-            <a:schemeClr val="accent1"/>
-          </a:effectRef>
-          <a:fontRef idx="minor">
-            <a:schemeClr val="tx1"/>
-          </a:fontRef>
-        </p:style>
-      </p:cxnSp>
-      <p:cxnSp>
-        <p:nvCxnSpPr>
-          <p:cNvPr id="21" name="Straight Arrow Connector 20"/>
-          <p:cNvCxnSpPr/>
-          <p:nvPr/>
-        </p:nvCxnSpPr>
-        <p:spPr>
-          <a:xfrm>
-            <a:off x="4800600" y="2819400"/>
-            <a:ext cx="0" cy="533400"/>
-          </a:xfrm>
-          <a:prstGeom prst="straightConnector1">
-            <a:avLst/>
-          </a:prstGeom>
-          <a:ln>
-            <a:tailEnd type="arrow"/>
-          </a:ln>
-        </p:spPr>
-        <p:style>
-          <a:lnRef idx="1">
-            <a:schemeClr val="accent1"/>
-          </a:lnRef>
-          <a:fillRef idx="0">
-            <a:schemeClr val="accent1"/>
-          </a:fillRef>
-          <a:effectRef idx="0">
-            <a:schemeClr val="accent1"/>
-          </a:effectRef>
-          <a:fontRef idx="minor">
-            <a:schemeClr val="tx1"/>
-          </a:fontRef>
-        </p:style>
-      </p:cxnSp>
-      <p:cxnSp>
-        <p:nvCxnSpPr>
-          <p:cNvPr id="22" name="Straight Arrow Connector 21"/>
-          <p:cNvCxnSpPr/>
-          <p:nvPr/>
-        </p:nvCxnSpPr>
-        <p:spPr>
-          <a:xfrm>
-            <a:off x="5486400" y="2819400"/>
-            <a:ext cx="0" cy="533400"/>
-          </a:xfrm>
-          <a:prstGeom prst="straightConnector1">
-            <a:avLst/>
-          </a:prstGeom>
-          <a:ln>
-            <a:tailEnd type="arrow"/>
-          </a:ln>
-        </p:spPr>
-        <p:style>
-          <a:lnRef idx="1">
-            <a:schemeClr val="accent1"/>
-          </a:lnRef>
-          <a:fillRef idx="0">
-            <a:schemeClr val="accent1"/>
-          </a:fillRef>
-          <a:effectRef idx="0">
-            <a:schemeClr val="accent1"/>
-          </a:effectRef>
-          <a:fontRef idx="minor">
-            <a:schemeClr val="tx1"/>
-          </a:fontRef>
-        </p:style>
-      </p:cxnSp>
-      <p:cxnSp>
-        <p:nvCxnSpPr>
-          <p:cNvPr id="23" name="Straight Arrow Connector 22"/>
-          <p:cNvCxnSpPr/>
-          <p:nvPr/>
-        </p:nvCxnSpPr>
-        <p:spPr>
-          <a:xfrm>
-            <a:off x="6248400" y="2819400"/>
-            <a:ext cx="0" cy="533400"/>
-          </a:xfrm>
-          <a:prstGeom prst="straightConnector1">
-            <a:avLst/>
-          </a:prstGeom>
-          <a:ln>
-            <a:tailEnd type="arrow"/>
-          </a:ln>
-        </p:spPr>
-        <p:style>
-          <a:lnRef idx="1">
-            <a:schemeClr val="accent1"/>
-          </a:lnRef>
-          <a:fillRef idx="0">
-            <a:schemeClr val="accent1"/>
-          </a:fillRef>
-          <a:effectRef idx="0">
-            <a:schemeClr val="accent1"/>
-          </a:effectRef>
-          <a:fontRef idx="minor">
-            <a:schemeClr val="tx1"/>
-          </a:fontRef>
-        </p:style>
-      </p:cxnSp>
-      <p:cxnSp>
-        <p:nvCxnSpPr>
-          <p:cNvPr id="24" name="Straight Arrow Connector 23"/>
-          <p:cNvCxnSpPr/>
-          <p:nvPr/>
-        </p:nvCxnSpPr>
-        <p:spPr>
-          <a:xfrm>
-            <a:off x="6934200" y="2819400"/>
-            <a:ext cx="0" cy="533400"/>
-          </a:xfrm>
-          <a:prstGeom prst="straightConnector1">
-            <a:avLst/>
-          </a:prstGeom>
-          <a:ln>
-            <a:tailEnd type="arrow"/>
-          </a:ln>
-        </p:spPr>
-        <p:style>
-          <a:lnRef idx="1">
-            <a:schemeClr val="accent1"/>
-          </a:lnRef>
-          <a:fillRef idx="0">
-            <a:schemeClr val="accent1"/>
-          </a:fillRef>
-          <a:effectRef idx="0">
-            <a:schemeClr val="accent1"/>
-          </a:effectRef>
-          <a:fontRef idx="minor">
-            <a:schemeClr val="tx1"/>
-          </a:fontRef>
-        </p:style>
-      </p:cxnSp>
-      <p:cxnSp>
-        <p:nvCxnSpPr>
-          <p:cNvPr id="25" name="Straight Arrow Connector 24"/>
-          <p:cNvCxnSpPr/>
-          <p:nvPr/>
-        </p:nvCxnSpPr>
-        <p:spPr>
-          <a:xfrm>
-            <a:off x="7543800" y="2819400"/>
-            <a:ext cx="0" cy="533400"/>
-          </a:xfrm>
-          <a:prstGeom prst="straightConnector1">
-            <a:avLst/>
-          </a:prstGeom>
-          <a:ln>
-            <a:tailEnd type="arrow"/>
-          </a:ln>
-        </p:spPr>
-        <p:style>
-          <a:lnRef idx="1">
-            <a:schemeClr val="accent1"/>
-          </a:lnRef>
-          <a:fillRef idx="0">
-            <a:schemeClr val="accent1"/>
-          </a:fillRef>
-          <a:effectRef idx="0">
-            <a:schemeClr val="accent1"/>
-          </a:effectRef>
-          <a:fontRef idx="minor">
-            <a:schemeClr val="tx1"/>
-          </a:fontRef>
-        </p:style>
-      </p:cxnSp>
-      <p:cxnSp>
-        <p:nvCxnSpPr>
-          <p:cNvPr id="26" name="Straight Arrow Connector 25"/>
-          <p:cNvCxnSpPr/>
-          <p:nvPr/>
-        </p:nvCxnSpPr>
-        <p:spPr>
-          <a:xfrm>
-            <a:off x="8229600" y="2819400"/>
-            <a:ext cx="0" cy="533400"/>
-          </a:xfrm>
-          <a:prstGeom prst="straightConnector1">
-            <a:avLst/>
-          </a:prstGeom>
-          <a:ln>
-            <a:tailEnd type="arrow"/>
-          </a:ln>
-        </p:spPr>
-        <p:style>
-          <a:lnRef idx="1">
-            <a:schemeClr val="accent1"/>
-          </a:lnRef>
-          <a:fillRef idx="0">
-            <a:schemeClr val="accent1"/>
-          </a:fillRef>
-          <a:effectRef idx="0">
-            <a:schemeClr val="accent1"/>
-          </a:effectRef>
-          <a:fontRef idx="minor">
-            <a:schemeClr val="tx1"/>
-          </a:fontRef>
-        </p:style>
-      </p:cxnSp>
-      <p:cxnSp>
-        <p:nvCxnSpPr>
-          <p:cNvPr id="27" name="Straight Arrow Connector 26"/>
-          <p:cNvCxnSpPr/>
-          <p:nvPr/>
-        </p:nvCxnSpPr>
-        <p:spPr>
-          <a:xfrm>
-            <a:off x="3505200" y="3352800"/>
-            <a:ext cx="304800" cy="685800"/>
-          </a:xfrm>
-          <a:prstGeom prst="straightConnector1">
-            <a:avLst/>
-          </a:prstGeom>
-          <a:ln>
-            <a:headEnd type="none" w="med" len="med"/>
-            <a:tailEnd type="triangle" w="med" len="med"/>
-          </a:ln>
-        </p:spPr>
-        <p:style>
-          <a:lnRef idx="1">
-            <a:schemeClr val="accent2"/>
-          </a:lnRef>
-          <a:fillRef idx="0">
-            <a:schemeClr val="accent2"/>
-          </a:fillRef>
-          <a:effectRef idx="0">
-            <a:schemeClr val="accent2"/>
-          </a:effectRef>
-          <a:fontRef idx="minor">
-            <a:schemeClr val="tx1"/>
-          </a:fontRef>
-        </p:style>
-      </p:cxnSp>
-      <p:cxnSp>
-        <p:nvCxnSpPr>
-          <p:cNvPr id="29" name="Straight Arrow Connector 28"/>
-          <p:cNvCxnSpPr/>
-          <p:nvPr/>
-        </p:nvCxnSpPr>
-        <p:spPr>
-          <a:xfrm>
-            <a:off x="4572000" y="3581400"/>
-            <a:ext cx="685800" cy="381000"/>
-          </a:xfrm>
-          <a:prstGeom prst="straightConnector1">
-            <a:avLst/>
-          </a:prstGeom>
-          <a:ln>
-            <a:prstDash val="dash"/>
-            <a:tailEnd type="arrow"/>
-          </a:ln>
-        </p:spPr>
-        <p:style>
-          <a:lnRef idx="1">
-            <a:schemeClr val="accent1"/>
-          </a:lnRef>
-          <a:fillRef idx="0">
-            <a:schemeClr val="accent1"/>
-          </a:fillRef>
-          <a:effectRef idx="0">
-            <a:schemeClr val="accent1"/>
-          </a:effectRef>
-          <a:fontRef idx="minor">
-            <a:schemeClr val="tx1"/>
-          </a:fontRef>
-        </p:style>
-      </p:cxnSp>
-      <p:cxnSp>
-        <p:nvCxnSpPr>
-          <p:cNvPr id="32" name="Straight Arrow Connector 31"/>
-          <p:cNvCxnSpPr/>
-          <p:nvPr/>
-        </p:nvCxnSpPr>
-        <p:spPr>
-          <a:xfrm>
-            <a:off x="6934200" y="3352800"/>
-            <a:ext cx="838200" cy="685800"/>
-          </a:xfrm>
-          <a:prstGeom prst="straightConnector1">
-            <a:avLst/>
-          </a:prstGeom>
-          <a:ln>
-            <a:headEnd type="none" w="med" len="med"/>
-            <a:tailEnd type="triangle" w="med" len="med"/>
-          </a:ln>
-        </p:spPr>
-        <p:style>
-          <a:lnRef idx="1">
-            <a:schemeClr val="accent2"/>
-          </a:lnRef>
-          <a:fillRef idx="0">
-            <a:schemeClr val="accent2"/>
-          </a:fillRef>
-          <a:effectRef idx="0">
-            <a:schemeClr val="accent2"/>
-          </a:effectRef>
-          <a:fontRef idx="minor">
-            <a:schemeClr val="tx1"/>
-          </a:fontRef>
-        </p:style>
-      </p:cxnSp>
-      <p:cxnSp>
-        <p:nvCxnSpPr>
-          <p:cNvPr id="35" name="Straight Arrow Connector 34"/>
-          <p:cNvCxnSpPr/>
-          <p:nvPr/>
-        </p:nvCxnSpPr>
-        <p:spPr>
-          <a:xfrm flipH="1">
-            <a:off x="3886200" y="3352800"/>
-            <a:ext cx="304800" cy="533400"/>
-          </a:xfrm>
-          <a:prstGeom prst="straightConnector1">
-            <a:avLst/>
-          </a:prstGeom>
-          <a:ln>
-            <a:prstDash val="dash"/>
-            <a:tailEnd type="arrow"/>
-          </a:ln>
-        </p:spPr>
-        <p:style>
-          <a:lnRef idx="1">
-            <a:schemeClr val="accent1"/>
-          </a:lnRef>
-          <a:fillRef idx="0">
-            <a:schemeClr val="accent1"/>
-          </a:fillRef>
-          <a:effectRef idx="0">
-            <a:schemeClr val="accent1"/>
-          </a:effectRef>
-          <a:fontRef idx="minor">
-            <a:schemeClr val="tx1"/>
-          </a:fontRef>
-        </p:style>
-      </p:cxnSp>
-      <p:cxnSp>
-        <p:nvCxnSpPr>
-          <p:cNvPr id="39" name="Straight Arrow Connector 38"/>
-          <p:cNvCxnSpPr/>
-          <p:nvPr/>
-        </p:nvCxnSpPr>
-        <p:spPr>
-          <a:xfrm flipH="1">
-            <a:off x="5334000" y="3352800"/>
-            <a:ext cx="152400" cy="609600"/>
-          </a:xfrm>
-          <a:prstGeom prst="straightConnector1">
-            <a:avLst/>
-          </a:prstGeom>
-          <a:ln>
-            <a:headEnd type="none" w="med" len="med"/>
-            <a:tailEnd type="triangle" w="med" len="med"/>
-          </a:ln>
-        </p:spPr>
-        <p:style>
-          <a:lnRef idx="1">
-            <a:schemeClr val="accent2"/>
-          </a:lnRef>
-          <a:fillRef idx="0">
-            <a:schemeClr val="accent2"/>
-          </a:fillRef>
-          <a:effectRef idx="0">
-            <a:schemeClr val="accent2"/>
-          </a:effectRef>
-          <a:fontRef idx="minor">
-            <a:schemeClr val="tx1"/>
-          </a:fontRef>
-        </p:style>
-      </p:cxnSp>
-      <p:cxnSp>
-        <p:nvCxnSpPr>
-          <p:cNvPr id="40" name="Straight Arrow Connector 39"/>
-          <p:cNvCxnSpPr/>
-          <p:nvPr/>
-        </p:nvCxnSpPr>
-        <p:spPr>
-          <a:xfrm flipH="1">
-            <a:off x="3886200" y="3352800"/>
-            <a:ext cx="914400" cy="609600"/>
-          </a:xfrm>
-          <a:prstGeom prst="straightConnector1">
-            <a:avLst/>
-          </a:prstGeom>
-          <a:ln>
-            <a:prstDash val="dash"/>
-            <a:tailEnd type="arrow"/>
-          </a:ln>
-        </p:spPr>
-        <p:style>
-          <a:lnRef idx="1">
-            <a:schemeClr val="accent1"/>
-          </a:lnRef>
-          <a:fillRef idx="0">
-            <a:schemeClr val="accent1"/>
-          </a:fillRef>
-          <a:effectRef idx="0">
-            <a:schemeClr val="accent1"/>
-          </a:effectRef>
-          <a:fontRef idx="minor">
-            <a:schemeClr val="tx1"/>
-          </a:fontRef>
-        </p:style>
-      </p:cxnSp>
-      <p:cxnSp>
-        <p:nvCxnSpPr>
-          <p:cNvPr id="43" name="Straight Arrow Connector 42"/>
-          <p:cNvCxnSpPr/>
-          <p:nvPr/>
-        </p:nvCxnSpPr>
-        <p:spPr>
-          <a:xfrm flipH="1">
-            <a:off x="7848600" y="3352800"/>
-            <a:ext cx="381000" cy="609600"/>
-          </a:xfrm>
-          <a:prstGeom prst="straightConnector1">
-            <a:avLst/>
-          </a:prstGeom>
-          <a:ln>
-            <a:prstDash val="dash"/>
-            <a:tailEnd type="arrow"/>
-          </a:ln>
-        </p:spPr>
-        <p:style>
-          <a:lnRef idx="1">
-            <a:schemeClr val="accent1"/>
-          </a:lnRef>
-          <a:fillRef idx="0">
-            <a:schemeClr val="accent1"/>
-          </a:fillRef>
-          <a:effectRef idx="0">
-            <a:schemeClr val="accent1"/>
-          </a:effectRef>
-          <a:fontRef idx="minor">
-            <a:schemeClr val="tx1"/>
-          </a:fontRef>
-        </p:style>
-      </p:cxnSp>
-      <p:cxnSp>
-        <p:nvCxnSpPr>
-          <p:cNvPr id="46" name="Straight Arrow Connector 45"/>
-          <p:cNvCxnSpPr/>
-          <p:nvPr/>
-        </p:nvCxnSpPr>
-        <p:spPr>
-          <a:xfrm flipH="1">
-            <a:off x="5410200" y="3352800"/>
-            <a:ext cx="838200" cy="609600"/>
-          </a:xfrm>
-          <a:prstGeom prst="straightConnector1">
-            <a:avLst/>
-          </a:prstGeom>
-          <a:ln>
-            <a:prstDash val="dash"/>
-            <a:tailEnd type="arrow"/>
-          </a:ln>
-        </p:spPr>
-        <p:style>
-          <a:lnRef idx="1">
-            <a:schemeClr val="accent1"/>
-          </a:lnRef>
-          <a:fillRef idx="0">
-            <a:schemeClr val="accent1"/>
-          </a:fillRef>
-          <a:effectRef idx="0">
-            <a:schemeClr val="accent1"/>
-          </a:effectRef>
-          <a:fontRef idx="minor">
-            <a:schemeClr val="tx1"/>
-          </a:fontRef>
-        </p:style>
-      </p:cxnSp>
-      <p:cxnSp>
-        <p:nvCxnSpPr>
-          <p:cNvPr id="48" name="Straight Arrow Connector 47"/>
-          <p:cNvCxnSpPr/>
-          <p:nvPr/>
-        </p:nvCxnSpPr>
-        <p:spPr>
-          <a:xfrm>
-            <a:off x="6248400" y="3352800"/>
-            <a:ext cx="838200" cy="457200"/>
-          </a:xfrm>
-          <a:prstGeom prst="straightConnector1">
-            <a:avLst/>
-          </a:prstGeom>
-          <a:ln>
-            <a:prstDash val="dash"/>
-            <a:tailEnd type="arrow"/>
-          </a:ln>
-        </p:spPr>
-        <p:style>
-          <a:lnRef idx="1">
-            <a:schemeClr val="accent1"/>
-          </a:lnRef>
-          <a:fillRef idx="0">
-            <a:schemeClr val="accent1"/>
-          </a:fillRef>
-          <a:effectRef idx="0">
-            <a:schemeClr val="accent1"/>
-          </a:effectRef>
-          <a:fontRef idx="minor">
-            <a:schemeClr val="tx1"/>
-          </a:fontRef>
-        </p:style>
-      </p:cxnSp>
-      <p:cxnSp>
-        <p:nvCxnSpPr>
-          <p:cNvPr id="56" name="Straight Arrow Connector 55"/>
-          <p:cNvCxnSpPr/>
-          <p:nvPr/>
-        </p:nvCxnSpPr>
-        <p:spPr>
-          <a:xfrm flipH="1">
-            <a:off x="3962400" y="3581400"/>
-            <a:ext cx="1295400" cy="381000"/>
-          </a:xfrm>
-          <a:prstGeom prst="straightConnector1">
-            <a:avLst/>
-          </a:prstGeom>
-          <a:ln>
-            <a:prstDash val="dash"/>
-            <a:tailEnd type="arrow"/>
-          </a:ln>
-        </p:spPr>
-        <p:style>
-          <a:lnRef idx="1">
-            <a:schemeClr val="accent1"/>
-          </a:lnRef>
-          <a:fillRef idx="0">
-            <a:schemeClr val="accent1"/>
-          </a:fillRef>
-          <a:effectRef idx="0">
-            <a:schemeClr val="accent1"/>
-          </a:effectRef>
-          <a:fontRef idx="minor">
-            <a:schemeClr val="tx1"/>
-          </a:fontRef>
-        </p:style>
-      </p:cxnSp>
-      <p:cxnSp>
-        <p:nvCxnSpPr>
-          <p:cNvPr id="65" name="Straight Arrow Connector 64"/>
-          <p:cNvCxnSpPr/>
-          <p:nvPr/>
-        </p:nvCxnSpPr>
-        <p:spPr>
-          <a:xfrm>
-            <a:off x="6248400" y="3352800"/>
-            <a:ext cx="228600" cy="457200"/>
-          </a:xfrm>
-          <a:prstGeom prst="straightConnector1">
-            <a:avLst/>
-          </a:prstGeom>
-          <a:ln>
-            <a:prstDash val="dash"/>
-            <a:tailEnd type="arrow"/>
-          </a:ln>
-        </p:spPr>
-        <p:style>
-          <a:lnRef idx="1">
-            <a:schemeClr val="accent1"/>
-          </a:lnRef>
-          <a:fillRef idx="0">
-            <a:schemeClr val="accent1"/>
-          </a:fillRef>
-          <a:effectRef idx="0">
-            <a:schemeClr val="accent1"/>
-          </a:effectRef>
-          <a:fontRef idx="minor">
-            <a:schemeClr val="tx1"/>
-          </a:fontRef>
-        </p:style>
-      </p:cxnSp>
-      <p:cxnSp>
-        <p:nvCxnSpPr>
-          <p:cNvPr id="68" name="Straight Arrow Connector 67"/>
-          <p:cNvCxnSpPr/>
-          <p:nvPr/>
-        </p:nvCxnSpPr>
-        <p:spPr>
-          <a:xfrm flipH="1">
-            <a:off x="5867400" y="3352800"/>
-            <a:ext cx="1676400" cy="533400"/>
-          </a:xfrm>
-          <a:prstGeom prst="straightConnector1">
-            <a:avLst/>
-          </a:prstGeom>
-          <a:ln>
-            <a:prstDash val="dash"/>
-            <a:tailEnd type="arrow"/>
-          </a:ln>
-        </p:spPr>
-        <p:style>
-          <a:lnRef idx="1">
-            <a:schemeClr val="accent1"/>
-          </a:lnRef>
-          <a:fillRef idx="0">
-            <a:schemeClr val="accent1"/>
-          </a:fillRef>
-          <a:effectRef idx="0">
-            <a:schemeClr val="accent1"/>
-          </a:effectRef>
-          <a:fontRef idx="minor">
-            <a:schemeClr val="tx1"/>
-          </a:fontRef>
-        </p:style>
-      </p:cxnSp>
-      <p:cxnSp>
-        <p:nvCxnSpPr>
-          <p:cNvPr id="72" name="Straight Arrow Connector 71"/>
-          <p:cNvCxnSpPr/>
-          <p:nvPr/>
-        </p:nvCxnSpPr>
-        <p:spPr>
-          <a:xfrm flipH="1">
-            <a:off x="6629400" y="3352800"/>
-            <a:ext cx="914400" cy="609600"/>
-          </a:xfrm>
-          <a:prstGeom prst="straightConnector1">
-            <a:avLst/>
-          </a:prstGeom>
-          <a:ln>
-            <a:prstDash val="dash"/>
-            <a:tailEnd type="arrow"/>
-          </a:ln>
-        </p:spPr>
-        <p:style>
-          <a:lnRef idx="1">
-            <a:schemeClr val="accent1"/>
-          </a:lnRef>
-          <a:fillRef idx="0">
-            <a:schemeClr val="accent1"/>
-          </a:fillRef>
-          <a:effectRef idx="0">
-            <a:schemeClr val="accent1"/>
-          </a:effectRef>
-          <a:fontRef idx="minor">
-            <a:schemeClr val="tx1"/>
-          </a:fontRef>
-        </p:style>
-      </p:cxnSp>
-      <p:cxnSp>
-        <p:nvCxnSpPr>
-          <p:cNvPr id="74" name="Straight Arrow Connector 73"/>
-          <p:cNvCxnSpPr/>
-          <p:nvPr/>
-        </p:nvCxnSpPr>
-        <p:spPr>
-          <a:xfrm>
-            <a:off x="7543800" y="3352800"/>
-            <a:ext cx="152400" cy="457200"/>
-          </a:xfrm>
-          <a:prstGeom prst="straightConnector1">
-            <a:avLst/>
-          </a:prstGeom>
-          <a:ln>
-            <a:prstDash val="dash"/>
-            <a:tailEnd type="arrow"/>
-          </a:ln>
-        </p:spPr>
-        <p:style>
-          <a:lnRef idx="1">
-            <a:schemeClr val="accent1"/>
-          </a:lnRef>
-          <a:fillRef idx="0">
-            <a:schemeClr val="accent1"/>
-          </a:fillRef>
-          <a:effectRef idx="0">
-            <a:schemeClr val="accent1"/>
-          </a:effectRef>
-          <a:fontRef idx="minor">
-            <a:schemeClr val="tx1"/>
-          </a:fontRef>
-        </p:style>
-      </p:cxnSp>
-      <p:cxnSp>
-        <p:nvCxnSpPr>
-          <p:cNvPr id="79" name="Straight Connector 78"/>
-          <p:cNvCxnSpPr/>
-          <p:nvPr/>
-        </p:nvCxnSpPr>
-        <p:spPr>
-          <a:xfrm flipH="1">
-            <a:off x="1981200" y="5334000"/>
-            <a:ext cx="5791200" cy="0"/>
-          </a:xfrm>
-          <a:prstGeom prst="line">
-            <a:avLst/>
-          </a:prstGeom>
-        </p:spPr>
-        <p:style>
-          <a:lnRef idx="1">
-            <a:schemeClr val="accent1"/>
-          </a:lnRef>
-          <a:fillRef idx="0">
-            <a:schemeClr val="accent1"/>
-          </a:fillRef>
-          <a:effectRef idx="0">
-            <a:schemeClr val="accent1"/>
-          </a:effectRef>
-          <a:fontRef idx="minor">
-            <a:schemeClr val="tx1"/>
-          </a:fontRef>
-        </p:style>
-      </p:cxnSp>
-      <p:cxnSp>
-        <p:nvCxnSpPr>
-          <p:cNvPr id="80" name="Straight Connector 79"/>
-          <p:cNvCxnSpPr/>
-          <p:nvPr/>
-        </p:nvCxnSpPr>
-        <p:spPr>
-          <a:xfrm>
-            <a:off x="1981200" y="4038600"/>
-            <a:ext cx="0" cy="1295400"/>
-          </a:xfrm>
-          <a:prstGeom prst="line">
-            <a:avLst/>
-          </a:prstGeom>
-          <a:ln>
-            <a:headEnd type="arrow" w="med" len="med"/>
-            <a:tailEnd type="none" w="med" len="med"/>
-          </a:ln>
-        </p:spPr>
-        <p:style>
-          <a:lnRef idx="1">
-            <a:schemeClr val="accent1"/>
-          </a:lnRef>
-          <a:fillRef idx="0">
-            <a:schemeClr val="accent1"/>
-          </a:fillRef>
-          <a:effectRef idx="0">
-            <a:schemeClr val="accent1"/>
-          </a:effectRef>
-          <a:fontRef idx="minor">
-            <a:schemeClr val="tx1"/>
-          </a:fontRef>
-        </p:style>
-      </p:cxnSp>
-      <p:sp>
-        <p:nvSpPr>
-          <p:cNvPr id="83" name="Rounded Rectangle 82"/>
-          <p:cNvSpPr/>
-          <p:nvPr/>
-        </p:nvSpPr>
-        <p:spPr>
-          <a:xfrm>
-            <a:off x="1447800" y="3352800"/>
-            <a:ext cx="1066800" cy="685800"/>
-          </a:xfrm>
-          <a:prstGeom prst="roundRect">
-            <a:avLst/>
-          </a:prstGeom>
-        </p:spPr>
-        <p:style>
-          <a:lnRef idx="1">
-            <a:schemeClr val="dk1"/>
-          </a:lnRef>
-          <a:fillRef idx="2">
-            <a:schemeClr val="dk1"/>
-          </a:fillRef>
-          <a:effectRef idx="1">
-            <a:schemeClr val="dk1"/>
-          </a:effectRef>
-          <a:fontRef idx="minor">
-            <a:schemeClr val="dk1"/>
-          </a:fontRef>
-        </p:style>
-        <p:txBody>
-          <a:bodyPr rtlCol="0" anchor="ctr"/>
-          <a:lstStyle/>
-          <a:p>
-            <a:pPr algn="ctr"/>
-            <a:r>
-              <a:rPr lang="en-US" dirty="0" smtClean="0"/>
-              <a:t>Request Queue</a:t>
-            </a:r>
-            <a:endParaRPr lang="en-US" dirty="0"/>
-          </a:p>
-        </p:txBody>
-      </p:sp>
-      <p:cxnSp>
-        <p:nvCxnSpPr>
-          <p:cNvPr id="84" name="Straight Arrow Connector 83"/>
-          <p:cNvCxnSpPr/>
-          <p:nvPr/>
-        </p:nvCxnSpPr>
-        <p:spPr>
-          <a:xfrm>
-            <a:off x="3810000" y="4876800"/>
-            <a:ext cx="0" cy="457200"/>
-          </a:xfrm>
-          <a:prstGeom prst="straightConnector1">
-            <a:avLst/>
-          </a:prstGeom>
-          <a:ln>
-            <a:tailEnd type="arrow"/>
-          </a:ln>
-        </p:spPr>
-        <p:style>
-          <a:lnRef idx="1">
-            <a:schemeClr val="accent1"/>
-          </a:lnRef>
-          <a:fillRef idx="0">
-            <a:schemeClr val="accent1"/>
-          </a:fillRef>
-          <a:effectRef idx="0">
-            <a:schemeClr val="accent1"/>
-          </a:effectRef>
-          <a:fontRef idx="minor">
-            <a:schemeClr val="tx1"/>
-          </a:fontRef>
-        </p:style>
-      </p:cxnSp>
-      <p:cxnSp>
-        <p:nvCxnSpPr>
-          <p:cNvPr id="86" name="Straight Arrow Connector 85"/>
-          <p:cNvCxnSpPr/>
-          <p:nvPr/>
-        </p:nvCxnSpPr>
-        <p:spPr>
-          <a:xfrm>
-            <a:off x="5257800" y="4876800"/>
-            <a:ext cx="0" cy="457200"/>
-          </a:xfrm>
-          <a:prstGeom prst="straightConnector1">
-            <a:avLst/>
-          </a:prstGeom>
-          <a:ln>
-            <a:tailEnd type="arrow"/>
-          </a:ln>
-        </p:spPr>
-        <p:style>
-          <a:lnRef idx="1">
-            <a:schemeClr val="accent1"/>
-          </a:lnRef>
-          <a:fillRef idx="0">
-            <a:schemeClr val="accent1"/>
-          </a:fillRef>
-          <a:effectRef idx="0">
-            <a:schemeClr val="accent1"/>
-          </a:effectRef>
-          <a:fontRef idx="minor">
-            <a:schemeClr val="tx1"/>
-          </a:fontRef>
-        </p:style>
-      </p:cxnSp>
-      <p:cxnSp>
-        <p:nvCxnSpPr>
-          <p:cNvPr id="87" name="Straight Arrow Connector 86"/>
-          <p:cNvCxnSpPr/>
-          <p:nvPr/>
-        </p:nvCxnSpPr>
-        <p:spPr>
-          <a:xfrm>
-            <a:off x="7772400" y="4876800"/>
-            <a:ext cx="0" cy="457200"/>
-          </a:xfrm>
-          <a:prstGeom prst="straightConnector1">
-            <a:avLst/>
-          </a:prstGeom>
-          <a:ln>
-            <a:tailEnd type="arrow"/>
-          </a:ln>
-        </p:spPr>
-        <p:style>
-          <a:lnRef idx="1">
-            <a:schemeClr val="accent1"/>
-          </a:lnRef>
-          <a:fillRef idx="0">
-            <a:schemeClr val="accent1"/>
-          </a:fillRef>
-          <a:effectRef idx="0">
-            <a:schemeClr val="accent1"/>
-          </a:effectRef>
-          <a:fontRef idx="minor">
-            <a:schemeClr val="tx1"/>
-          </a:fontRef>
-        </p:style>
-      </p:cxnSp>
-      <p:cxnSp>
-        <p:nvCxnSpPr>
-          <p:cNvPr id="113" name="Straight Connector 112"/>
-          <p:cNvCxnSpPr/>
-          <p:nvPr/>
-        </p:nvCxnSpPr>
-        <p:spPr>
-          <a:xfrm flipH="1">
-            <a:off x="1981200" y="2057400"/>
-            <a:ext cx="762000" cy="0"/>
-          </a:xfrm>
-          <a:prstGeom prst="line">
-            <a:avLst/>
-          </a:prstGeom>
-          <a:ln>
-            <a:headEnd type="arrow" w="med" len="med"/>
-            <a:tailEnd type="none" w="med" len="med"/>
-          </a:ln>
-        </p:spPr>
-        <p:style>
-          <a:lnRef idx="1">
-            <a:schemeClr val="accent1"/>
-          </a:lnRef>
-          <a:fillRef idx="0">
-            <a:schemeClr val="accent1"/>
-          </a:fillRef>
-          <a:effectRef idx="0">
-            <a:schemeClr val="accent1"/>
-          </a:effectRef>
-          <a:fontRef idx="minor">
-            <a:schemeClr val="tx1"/>
-          </a:fontRef>
-        </p:style>
-      </p:cxnSp>
-      <p:cxnSp>
-        <p:nvCxnSpPr>
-          <p:cNvPr id="117" name="Straight Connector 116"/>
-          <p:cNvCxnSpPr>
-            <a:endCxn id="83" idx="0"/>
-          </p:cNvCxnSpPr>
-          <p:nvPr/>
-        </p:nvCxnSpPr>
-        <p:spPr>
-          <a:xfrm>
-            <a:off x="1981200" y="2057400"/>
-            <a:ext cx="0" cy="1295400"/>
-          </a:xfrm>
-          <a:prstGeom prst="line">
-            <a:avLst/>
-          </a:prstGeom>
-          <a:ln>
-            <a:headEnd type="none" w="med" len="med"/>
-            <a:tailEnd type="none" w="med" len="med"/>
-          </a:ln>
-        </p:spPr>
-        <p:style>
-          <a:lnRef idx="1">
-            <a:schemeClr val="accent1"/>
-          </a:lnRef>
-          <a:fillRef idx="0">
-            <a:schemeClr val="accent1"/>
-          </a:fillRef>
-          <a:effectRef idx="0">
-            <a:schemeClr val="accent1"/>
-          </a:effectRef>
-          <a:fontRef idx="minor">
-            <a:schemeClr val="tx1"/>
-          </a:fontRef>
-        </p:style>
-      </p:cxnSp>
-      <p:sp>
-        <p:nvSpPr>
-          <p:cNvPr id="125" name="TextBox 124"/>
+      <p:sp>
+        <p:nvSpPr>
+          <p:cNvPr id="53" name="TextBox 52"/>
           <p:cNvSpPr txBox="1"/>
           <p:nvPr/>
         </p:nvSpPr>
         <p:spPr>
           <a:xfrm>
-            <a:off x="8305800" y="2819400"/>
-            <a:ext cx="1676400" cy="369332"/>
+            <a:off x="5257800" y="1524000"/>
+            <a:ext cx="1143000" cy="369332"/>
           </a:xfrm>
           <a:prstGeom prst="rect">
             <a:avLst/>
@@ -6423,305 +5360,12 @@
           <a:p>
             <a:r>
               <a:rPr lang="en-US" dirty="0" smtClean="0"/>
-              <a:t>1 Line</a:t>
+              <a:t>L1 Cache</a:t>
             </a:r>
             <a:endParaRPr lang="en-US" dirty="0"/>
           </a:p>
         </p:txBody>
       </p:sp>
-      <p:sp>
-        <p:nvSpPr>
-          <p:cNvPr id="126" name="TextBox 125"/>
-          <p:cNvSpPr txBox="1"/>
-          <p:nvPr/>
-        </p:nvSpPr>
-        <p:spPr>
-          <a:xfrm>
-            <a:off x="1295400" y="1676400"/>
-            <a:ext cx="1447800" cy="338554"/>
-          </a:xfrm>
-          <a:prstGeom prst="rect">
-            <a:avLst/>
-          </a:prstGeom>
-          <a:noFill/>
-        </p:spPr>
-        <p:txBody>
-          <a:bodyPr wrap="square" rtlCol="0">
-            <a:spAutoFit/>
-          </a:bodyPr>
-          <a:lstStyle/>
-          <a:p>
-            <a:r>
-              <a:rPr lang="en-US" sz="1600" dirty="0" smtClean="0"/>
-              <a:t>Line Address</a:t>
-            </a:r>
-            <a:endParaRPr lang="en-US" sz="1600" dirty="0"/>
-          </a:p>
-        </p:txBody>
-      </p:sp>
-      <p:sp>
-        <p:nvSpPr>
-          <p:cNvPr id="127" name="TextBox 126"/>
-          <p:cNvSpPr txBox="1"/>
-          <p:nvPr/>
-        </p:nvSpPr>
-        <p:spPr>
-          <a:xfrm>
-            <a:off x="2362200" y="5029200"/>
-            <a:ext cx="1447800" cy="338554"/>
-          </a:xfrm>
-          <a:prstGeom prst="rect">
-            <a:avLst/>
-          </a:prstGeom>
-          <a:noFill/>
-        </p:spPr>
-        <p:txBody>
-          <a:bodyPr wrap="square" rtlCol="0">
-            <a:spAutoFit/>
-          </a:bodyPr>
-          <a:lstStyle/>
-          <a:p>
-            <a:r>
-              <a:rPr lang="en-US" sz="1600" dirty="0" smtClean="0"/>
-              <a:t>Ld/ St </a:t>
-            </a:r>
-            <a:r>
-              <a:rPr lang="en-US" sz="1600" dirty="0" err="1" smtClean="0"/>
-              <a:t>Req</a:t>
-            </a:r>
-            <a:endParaRPr lang="en-US" sz="1600" dirty="0"/>
-          </a:p>
-        </p:txBody>
-      </p:sp>
-      <p:sp>
-        <p:nvSpPr>
-          <p:cNvPr id="129" name="TextBox 128"/>
-          <p:cNvSpPr txBox="1"/>
-          <p:nvPr/>
-        </p:nvSpPr>
-        <p:spPr>
-          <a:xfrm>
-            <a:off x="0" y="3352800"/>
-            <a:ext cx="1600200" cy="923330"/>
-          </a:xfrm>
-          <a:prstGeom prst="rect">
-            <a:avLst/>
-          </a:prstGeom>
-          <a:noFill/>
-        </p:spPr>
-        <p:txBody>
-          <a:bodyPr wrap="square" rtlCol="0">
-            <a:spAutoFit/>
-          </a:bodyPr>
-          <a:lstStyle/>
-          <a:p>
-            <a:r>
-              <a:rPr lang="en-US" dirty="0" smtClean="0"/>
-              <a:t>Load Store Queue</a:t>
-            </a:r>
-          </a:p>
-          <a:p>
-            <a:endParaRPr lang="en-US" dirty="0"/>
-          </a:p>
-        </p:txBody>
-      </p:sp>
-      <p:cxnSp>
-        <p:nvCxnSpPr>
-          <p:cNvPr id="135" name="Straight Arrow Connector 134"/>
-          <p:cNvCxnSpPr/>
-          <p:nvPr/>
-        </p:nvCxnSpPr>
-        <p:spPr>
-          <a:xfrm>
-            <a:off x="990600" y="3733800"/>
-            <a:ext cx="304800" cy="0"/>
-          </a:xfrm>
-          <a:prstGeom prst="straightConnector1">
-            <a:avLst/>
-          </a:prstGeom>
-          <a:ln>
-            <a:tailEnd type="arrow"/>
-          </a:ln>
-        </p:spPr>
-        <p:style>
-          <a:lnRef idx="1">
-            <a:schemeClr val="accent1"/>
-          </a:lnRef>
-          <a:fillRef idx="0">
-            <a:schemeClr val="accent1"/>
-          </a:fillRef>
-          <a:effectRef idx="0">
-            <a:schemeClr val="accent1"/>
-          </a:effectRef>
-          <a:fontRef idx="minor">
-            <a:schemeClr val="tx1"/>
-          </a:fontRef>
-        </p:style>
-      </p:cxnSp>
-      <p:sp>
-        <p:nvSpPr>
-          <p:cNvPr id="49" name="Trapezoid 48"/>
-          <p:cNvSpPr/>
-          <p:nvPr/>
-        </p:nvSpPr>
-        <p:spPr>
-          <a:xfrm rot="16200000">
-            <a:off x="2209800" y="1905000"/>
-            <a:ext cx="1447800" cy="381000"/>
-          </a:xfrm>
-          <a:prstGeom prst="trapezoid">
-            <a:avLst/>
-          </a:prstGeom>
-        </p:spPr>
-        <p:style>
-          <a:lnRef idx="1">
-            <a:schemeClr val="dk1"/>
-          </a:lnRef>
-          <a:fillRef idx="2">
-            <a:schemeClr val="dk1"/>
-          </a:fillRef>
-          <a:effectRef idx="1">
-            <a:schemeClr val="dk1"/>
-          </a:effectRef>
-          <a:fontRef idx="minor">
-            <a:schemeClr val="dk1"/>
-          </a:fontRef>
-        </p:style>
-        <p:txBody>
-          <a:bodyPr rtlCol="0" anchor="ctr"/>
-          <a:lstStyle/>
-          <a:p>
-            <a:pPr algn="ctr"/>
-            <a:r>
-              <a:rPr lang="en-US" dirty="0" smtClean="0"/>
-              <a:t>Decoder</a:t>
-            </a:r>
-            <a:endParaRPr lang="en-US" dirty="0"/>
-          </a:p>
-        </p:txBody>
-      </p:sp>
-      <p:sp>
-        <p:nvSpPr>
-          <p:cNvPr id="112" name="TextBox 111"/>
-          <p:cNvSpPr txBox="1"/>
-          <p:nvPr/>
-        </p:nvSpPr>
-        <p:spPr>
-          <a:xfrm>
-            <a:off x="4953000" y="1600200"/>
-            <a:ext cx="1447800" cy="369332"/>
-          </a:xfrm>
-          <a:prstGeom prst="rect">
-            <a:avLst/>
-          </a:prstGeom>
-          <a:solidFill>
-            <a:schemeClr val="accent1"/>
-          </a:solidFill>
-        </p:spPr>
-        <p:txBody>
-          <a:bodyPr wrap="square" rtlCol="0">
-            <a:spAutoFit/>
-          </a:bodyPr>
-          <a:lstStyle/>
-          <a:p>
-            <a:pPr algn="ctr"/>
-            <a:r>
-              <a:rPr lang="en-US" dirty="0" smtClean="0"/>
-              <a:t>L1 Cache</a:t>
-            </a:r>
-          </a:p>
-        </p:txBody>
-      </p:sp>
-      <p:cxnSp>
-        <p:nvCxnSpPr>
-          <p:cNvPr id="59" name="Straight Connector 58"/>
-          <p:cNvCxnSpPr/>
-          <p:nvPr/>
-        </p:nvCxnSpPr>
-        <p:spPr>
-          <a:xfrm>
-            <a:off x="6019800" y="4648200"/>
-            <a:ext cx="228600" cy="0"/>
-          </a:xfrm>
-          <a:prstGeom prst="line">
-            <a:avLst/>
-          </a:prstGeom>
-        </p:spPr>
-        <p:style>
-          <a:lnRef idx="1">
-            <a:schemeClr val="dk1"/>
-          </a:lnRef>
-          <a:fillRef idx="0">
-            <a:schemeClr val="dk1"/>
-          </a:fillRef>
-          <a:effectRef idx="0">
-            <a:schemeClr val="dk1"/>
-          </a:effectRef>
-          <a:fontRef idx="minor">
-            <a:schemeClr val="tx1"/>
-          </a:fontRef>
-        </p:style>
-      </p:cxnSp>
-      <p:cxnSp>
-        <p:nvCxnSpPr>
-          <p:cNvPr id="60" name="Straight Connector 59"/>
-          <p:cNvCxnSpPr/>
-          <p:nvPr/>
-        </p:nvCxnSpPr>
-        <p:spPr>
-          <a:xfrm>
-            <a:off x="6400800" y="4648200"/>
-            <a:ext cx="228600" cy="0"/>
-          </a:xfrm>
-          <a:prstGeom prst="line">
-            <a:avLst/>
-          </a:prstGeom>
-        </p:spPr>
-        <p:style>
-          <a:lnRef idx="1">
-            <a:schemeClr val="dk1"/>
-          </a:lnRef>
-          <a:fillRef idx="0">
-            <a:schemeClr val="dk1"/>
-          </a:fillRef>
-          <a:effectRef idx="0">
-            <a:schemeClr val="dk1"/>
-          </a:effectRef>
-          <a:fontRef idx="minor">
-            <a:schemeClr val="tx1"/>
-          </a:fontRef>
-        </p:style>
-      </p:cxnSp>
-      <p:cxnSp>
-        <p:nvCxnSpPr>
-          <p:cNvPr id="61" name="Straight Connector 60"/>
-          <p:cNvCxnSpPr/>
-          <p:nvPr/>
-        </p:nvCxnSpPr>
-        <p:spPr>
-          <a:xfrm>
-            <a:off x="6781800" y="4648200"/>
-            <a:ext cx="228600" cy="0"/>
-          </a:xfrm>
-          <a:prstGeom prst="line">
-            <a:avLst/>
-          </a:prstGeom>
-        </p:spPr>
-        <p:style>
-          <a:lnRef idx="1">
-            <a:schemeClr val="dk1"/>
-          </a:lnRef>
-          <a:fillRef idx="0">
-            <a:schemeClr val="dk1"/>
-          </a:fillRef>
-          <a:effectRef idx="0">
-            <a:schemeClr val="dk1"/>
-          </a:effectRef>
-          <a:fontRef idx="minor">
-            <a:schemeClr val="tx1"/>
-          </a:fontRef>
-        </p:style>
-      </p:cxnSp>
     </p:spTree>
   </p:cSld>
   <p:clrMapOvr>
